--- a/Atgs ppt 2022 main [Autosaved].pptx
+++ b/Atgs ppt 2022 main [Autosaved].pptx
@@ -215,7 +215,7 @@
           <a:p>
             <a:fld id="{2C2DC13E-B788-48D3-A605-9565FE8F5F01}" type="datetimeFigureOut">
               <a:rPr lang="en-US" smtClean="0"/>
-              <a:t>4/11/2022</a:t>
+              <a:t>5/14/2022</a:t>
             </a:fld>
             <a:endParaRPr lang="en-US"/>
           </a:p>
@@ -623,7 +623,7 @@
           <a:noFill/>
           <a:extLst>
             <a:ext uri="{909E8E84-426E-40dd-AFC4-6F175D3DCCD1}">
-              <a14:hiddenFill xmlns="" xmlns:a14="http://schemas.microsoft.com/office/drawing/2010/main">
+              <a14:hiddenFill xmlns:a14="http://schemas.microsoft.com/office/drawing/2010/main" xmlns="">
                 <a:solidFill>
                   <a:srgbClr val="FFFFFF"/>
                 </a:solidFill>
@@ -683,7 +683,7 @@
             </a:ln>
             <a:extLst>
               <a:ext uri="{91240B29-F687-4f45-9708-019B960494DF}">
-                <a14:hiddenLine xmlns="" xmlns:a14="http://schemas.microsoft.com/office/drawing/2010/main" w="9525">
+                <a14:hiddenLine xmlns:a14="http://schemas.microsoft.com/office/drawing/2010/main" xmlns="" w="9525">
                   <a:solidFill>
                     <a:srgbClr val="000000"/>
                   </a:solidFill>
@@ -773,7 +773,7 @@
             </a:ln>
             <a:extLst>
               <a:ext uri="{91240B29-F687-4f45-9708-019B960494DF}">
-                <a14:hiddenLine xmlns="" xmlns:a14="http://schemas.microsoft.com/office/drawing/2010/main" w="9525">
+                <a14:hiddenLine xmlns:a14="http://schemas.microsoft.com/office/drawing/2010/main" xmlns="" w="9525">
                   <a:solidFill>
                     <a:srgbClr val="000000"/>
                   </a:solidFill>
@@ -863,7 +863,7 @@
             </a:ln>
             <a:extLst>
               <a:ext uri="{91240B29-F687-4f45-9708-019B960494DF}">
-                <a14:hiddenLine xmlns="" xmlns:a14="http://schemas.microsoft.com/office/drawing/2010/main" w="9525">
+                <a14:hiddenLine xmlns:a14="http://schemas.microsoft.com/office/drawing/2010/main" xmlns="" w="9525">
                   <a:solidFill>
                     <a:srgbClr val="000000"/>
                   </a:solidFill>
@@ -897,7 +897,7 @@
             </a:ln>
             <a:extLst>
               <a:ext uri="{91240B29-F687-4f45-9708-019B960494DF}">
-                <a14:hiddenLine xmlns="" xmlns:a14="http://schemas.microsoft.com/office/drawing/2010/main" w="9525">
+                <a14:hiddenLine xmlns:a14="http://schemas.microsoft.com/office/drawing/2010/main" xmlns="" w="9525">
                   <a:solidFill>
                     <a:srgbClr val="000000"/>
                   </a:solidFill>
@@ -987,7 +987,7 @@
             </a:ln>
             <a:extLst>
               <a:ext uri="{91240B29-F687-4f45-9708-019B960494DF}">
-                <a14:hiddenLine xmlns="" xmlns:a14="http://schemas.microsoft.com/office/drawing/2010/main" w="9525">
+                <a14:hiddenLine xmlns:a14="http://schemas.microsoft.com/office/drawing/2010/main" xmlns="" w="9525">
                   <a:solidFill>
                     <a:srgbClr val="000000"/>
                   </a:solidFill>
@@ -1049,7 +1049,7 @@
             </a:ln>
             <a:extLst>
               <a:ext uri="{91240B29-F687-4f45-9708-019B960494DF}">
-                <a14:hiddenLine xmlns="" xmlns:a14="http://schemas.microsoft.com/office/drawing/2010/main" w="9525">
+                <a14:hiddenLine xmlns:a14="http://schemas.microsoft.com/office/drawing/2010/main" xmlns="" w="9525">
                   <a:solidFill>
                     <a:srgbClr val="000000"/>
                   </a:solidFill>
@@ -1111,7 +1111,7 @@
             </a:ln>
             <a:extLst>
               <a:ext uri="{91240B29-F687-4f45-9708-019B960494DF}">
-                <a14:hiddenLine xmlns="" xmlns:a14="http://schemas.microsoft.com/office/drawing/2010/main" w="9525">
+                <a14:hiddenLine xmlns:a14="http://schemas.microsoft.com/office/drawing/2010/main" xmlns="" w="9525">
                   <a:solidFill>
                     <a:srgbClr val="000000"/>
                   </a:solidFill>
@@ -1201,7 +1201,7 @@
             </a:ln>
             <a:extLst>
               <a:ext uri="{91240B29-F687-4f45-9708-019B960494DF}">
-                <a14:hiddenLine xmlns="" xmlns:a14="http://schemas.microsoft.com/office/drawing/2010/main" w="9525">
+                <a14:hiddenLine xmlns:a14="http://schemas.microsoft.com/office/drawing/2010/main" xmlns="" w="9525">
                   <a:solidFill>
                     <a:srgbClr val="000000"/>
                   </a:solidFill>
@@ -1263,7 +1263,7 @@
             </a:ln>
             <a:extLst>
               <a:ext uri="{91240B29-F687-4f45-9708-019B960494DF}">
-                <a14:hiddenLine xmlns="" xmlns:a14="http://schemas.microsoft.com/office/drawing/2010/main" w="9525">
+                <a14:hiddenLine xmlns:a14="http://schemas.microsoft.com/office/drawing/2010/main" xmlns="" w="9525">
                   <a:solidFill>
                     <a:srgbClr val="000000"/>
                   </a:solidFill>
@@ -1325,7 +1325,7 @@
             </a:ln>
             <a:extLst>
               <a:ext uri="{91240B29-F687-4f45-9708-019B960494DF}">
-                <a14:hiddenLine xmlns="" xmlns:a14="http://schemas.microsoft.com/office/drawing/2010/main" w="9525">
+                <a14:hiddenLine xmlns:a14="http://schemas.microsoft.com/office/drawing/2010/main" xmlns="" w="9525">
                   <a:solidFill>
                     <a:srgbClr val="000000"/>
                   </a:solidFill>
@@ -1415,7 +1415,7 @@
             </a:ln>
             <a:extLst>
               <a:ext uri="{91240B29-F687-4f45-9708-019B960494DF}">
-                <a14:hiddenLine xmlns="" xmlns:a14="http://schemas.microsoft.com/office/drawing/2010/main" w="9525">
+                <a14:hiddenLine xmlns:a14="http://schemas.microsoft.com/office/drawing/2010/main" xmlns="" w="9525">
                   <a:solidFill>
                     <a:srgbClr val="000000"/>
                   </a:solidFill>
@@ -1505,7 +1505,7 @@
             </a:ln>
             <a:extLst>
               <a:ext uri="{91240B29-F687-4f45-9708-019B960494DF}">
-                <a14:hiddenLine xmlns="" xmlns:a14="http://schemas.microsoft.com/office/drawing/2010/main" w="9525">
+                <a14:hiddenLine xmlns:a14="http://schemas.microsoft.com/office/drawing/2010/main" xmlns="" w="9525">
                   <a:solidFill>
                     <a:srgbClr val="000000"/>
                   </a:solidFill>
@@ -1567,7 +1567,7 @@
             </a:ln>
             <a:extLst>
               <a:ext uri="{91240B29-F687-4f45-9708-019B960494DF}">
-                <a14:hiddenLine xmlns="" xmlns:a14="http://schemas.microsoft.com/office/drawing/2010/main" w="9525">
+                <a14:hiddenLine xmlns:a14="http://schemas.microsoft.com/office/drawing/2010/main" xmlns="" w="9525">
                   <a:solidFill>
                     <a:srgbClr val="000000"/>
                   </a:solidFill>
@@ -1677,7 +1677,7 @@
             </a:ln>
             <a:extLst>
               <a:ext uri="{91240B29-F687-4f45-9708-019B960494DF}">
-                <a14:hiddenLine xmlns="" xmlns:a14="http://schemas.microsoft.com/office/drawing/2010/main" w="9525">
+                <a14:hiddenLine xmlns:a14="http://schemas.microsoft.com/office/drawing/2010/main" xmlns="" w="9525">
                   <a:solidFill>
                     <a:srgbClr val="000000"/>
                   </a:solidFill>
@@ -1739,7 +1739,7 @@
             </a:ln>
             <a:extLst>
               <a:ext uri="{91240B29-F687-4f45-9708-019B960494DF}">
-                <a14:hiddenLine xmlns="" xmlns:a14="http://schemas.microsoft.com/office/drawing/2010/main" w="9525">
+                <a14:hiddenLine xmlns:a14="http://schemas.microsoft.com/office/drawing/2010/main" xmlns="" w="9525">
                   <a:solidFill>
                     <a:srgbClr val="000000"/>
                   </a:solidFill>
@@ -1829,7 +1829,7 @@
             </a:ln>
             <a:extLst>
               <a:ext uri="{91240B29-F687-4f45-9708-019B960494DF}">
-                <a14:hiddenLine xmlns="" xmlns:a14="http://schemas.microsoft.com/office/drawing/2010/main" w="9525">
+                <a14:hiddenLine xmlns:a14="http://schemas.microsoft.com/office/drawing/2010/main" xmlns="" w="9525">
                   <a:solidFill>
                     <a:srgbClr val="000000"/>
                   </a:solidFill>
@@ -1919,7 +1919,7 @@
             </a:ln>
             <a:extLst>
               <a:ext uri="{91240B29-F687-4f45-9708-019B960494DF}">
-                <a14:hiddenLine xmlns="" xmlns:a14="http://schemas.microsoft.com/office/drawing/2010/main" w="9525">
+                <a14:hiddenLine xmlns:a14="http://schemas.microsoft.com/office/drawing/2010/main" xmlns="" w="9525">
                   <a:solidFill>
                     <a:srgbClr val="000000"/>
                   </a:solidFill>
@@ -1981,7 +1981,7 @@
             </a:ln>
             <a:extLst>
               <a:ext uri="{91240B29-F687-4f45-9708-019B960494DF}">
-                <a14:hiddenLine xmlns="" xmlns:a14="http://schemas.microsoft.com/office/drawing/2010/main" w="9525">
+                <a14:hiddenLine xmlns:a14="http://schemas.microsoft.com/office/drawing/2010/main" xmlns="" w="9525">
                   <a:solidFill>
                     <a:srgbClr val="000000"/>
                   </a:solidFill>
@@ -2071,7 +2071,7 @@
             </a:ln>
             <a:extLst>
               <a:ext uri="{91240B29-F687-4f45-9708-019B960494DF}">
-                <a14:hiddenLine xmlns="" xmlns:a14="http://schemas.microsoft.com/office/drawing/2010/main" w="9525">
+                <a14:hiddenLine xmlns:a14="http://schemas.microsoft.com/office/drawing/2010/main" xmlns="" w="9525">
                   <a:solidFill>
                     <a:srgbClr val="000000"/>
                   </a:solidFill>
@@ -2161,7 +2161,7 @@
             </a:ln>
             <a:extLst>
               <a:ext uri="{91240B29-F687-4f45-9708-019B960494DF}">
-                <a14:hiddenLine xmlns="" xmlns:a14="http://schemas.microsoft.com/office/drawing/2010/main" w="9525">
+                <a14:hiddenLine xmlns:a14="http://schemas.microsoft.com/office/drawing/2010/main" xmlns="" w="9525">
                   <a:solidFill>
                     <a:srgbClr val="000000"/>
                   </a:solidFill>
@@ -2217,7 +2217,7 @@
             </a:ln>
             <a:extLst>
               <a:ext uri="{91240B29-F687-4f45-9708-019B960494DF}">
-                <a14:hiddenLine xmlns="" xmlns:a14="http://schemas.microsoft.com/office/drawing/2010/main" w="9525">
+                <a14:hiddenLine xmlns:a14="http://schemas.microsoft.com/office/drawing/2010/main" xmlns="" w="9525">
                   <a:solidFill>
                     <a:srgbClr val="000000"/>
                   </a:solidFill>
@@ -2307,7 +2307,7 @@
             </a:ln>
             <a:extLst>
               <a:ext uri="{91240B29-F687-4f45-9708-019B960494DF}">
-                <a14:hiddenLine xmlns="" xmlns:a14="http://schemas.microsoft.com/office/drawing/2010/main" w="9525">
+                <a14:hiddenLine xmlns:a14="http://schemas.microsoft.com/office/drawing/2010/main" xmlns="" w="9525">
                   <a:solidFill>
                     <a:srgbClr val="000000"/>
                   </a:solidFill>
@@ -2363,7 +2363,7 @@
             </a:ln>
             <a:extLst>
               <a:ext uri="{91240B29-F687-4f45-9708-019B960494DF}">
-                <a14:hiddenLine xmlns="" xmlns:a14="http://schemas.microsoft.com/office/drawing/2010/main" w="9525">
+                <a14:hiddenLine xmlns:a14="http://schemas.microsoft.com/office/drawing/2010/main" xmlns="" w="9525">
                   <a:solidFill>
                     <a:srgbClr val="000000"/>
                   </a:solidFill>
@@ -2453,7 +2453,7 @@
             </a:ln>
             <a:extLst>
               <a:ext uri="{91240B29-F687-4f45-9708-019B960494DF}">
-                <a14:hiddenLine xmlns="" xmlns:a14="http://schemas.microsoft.com/office/drawing/2010/main" w="9525">
+                <a14:hiddenLine xmlns:a14="http://schemas.microsoft.com/office/drawing/2010/main" xmlns="" w="9525">
                   <a:solidFill>
                     <a:srgbClr val="000000"/>
                   </a:solidFill>
@@ -2521,7 +2521,7 @@
             </a:ln>
             <a:extLst>
               <a:ext uri="{91240B29-F687-4f45-9708-019B960494DF}">
-                <a14:hiddenLine xmlns="" xmlns:a14="http://schemas.microsoft.com/office/drawing/2010/main" w="9525">
+                <a14:hiddenLine xmlns:a14="http://schemas.microsoft.com/office/drawing/2010/main" xmlns="" w="9525">
                   <a:solidFill>
                     <a:srgbClr val="000000"/>
                   </a:solidFill>
@@ -2611,7 +2611,7 @@
             </a:ln>
             <a:extLst>
               <a:ext uri="{91240B29-F687-4f45-9708-019B960494DF}">
-                <a14:hiddenLine xmlns="" xmlns:a14="http://schemas.microsoft.com/office/drawing/2010/main" w="9525">
+                <a14:hiddenLine xmlns:a14="http://schemas.microsoft.com/office/drawing/2010/main" xmlns="" w="9525">
                   <a:solidFill>
                     <a:srgbClr val="000000"/>
                   </a:solidFill>
@@ -2679,7 +2679,7 @@
             </a:ln>
             <a:extLst>
               <a:ext uri="{91240B29-F687-4f45-9708-019B960494DF}">
-                <a14:hiddenLine xmlns="" xmlns:a14="http://schemas.microsoft.com/office/drawing/2010/main" w="9525">
+                <a14:hiddenLine xmlns:a14="http://schemas.microsoft.com/office/drawing/2010/main" xmlns="" w="9525">
                   <a:solidFill>
                     <a:srgbClr val="000000"/>
                   </a:solidFill>
@@ -2769,7 +2769,7 @@
             </a:ln>
             <a:extLst>
               <a:ext uri="{91240B29-F687-4f45-9708-019B960494DF}">
-                <a14:hiddenLine xmlns="" xmlns:a14="http://schemas.microsoft.com/office/drawing/2010/main" w="9525">
+                <a14:hiddenLine xmlns:a14="http://schemas.microsoft.com/office/drawing/2010/main" xmlns="" w="9525">
                   <a:solidFill>
                     <a:srgbClr val="000000"/>
                   </a:solidFill>
@@ -2803,7 +2803,7 @@
             </a:ln>
             <a:extLst>
               <a:ext uri="{91240B29-F687-4f45-9708-019B960494DF}">
-                <a14:hiddenLine xmlns="" xmlns:a14="http://schemas.microsoft.com/office/drawing/2010/main" w="9525">
+                <a14:hiddenLine xmlns:a14="http://schemas.microsoft.com/office/drawing/2010/main" xmlns="" w="9525">
                   <a:solidFill>
                     <a:srgbClr val="000000"/>
                   </a:solidFill>
@@ -2893,7 +2893,7 @@
             </a:ln>
             <a:extLst>
               <a:ext uri="{91240B29-F687-4f45-9708-019B960494DF}">
-                <a14:hiddenLine xmlns="" xmlns:a14="http://schemas.microsoft.com/office/drawing/2010/main" w="9525">
+                <a14:hiddenLine xmlns:a14="http://schemas.microsoft.com/office/drawing/2010/main" xmlns="" w="9525">
                   <a:solidFill>
                     <a:srgbClr val="000000"/>
                   </a:solidFill>
@@ -2955,7 +2955,7 @@
             </a:ln>
             <a:extLst>
               <a:ext uri="{91240B29-F687-4f45-9708-019B960494DF}">
-                <a14:hiddenLine xmlns="" xmlns:a14="http://schemas.microsoft.com/office/drawing/2010/main" w="9525">
+                <a14:hiddenLine xmlns:a14="http://schemas.microsoft.com/office/drawing/2010/main" xmlns="" w="9525">
                   <a:solidFill>
                     <a:srgbClr val="000000"/>
                   </a:solidFill>
@@ -3017,7 +3017,7 @@
             </a:ln>
             <a:extLst>
               <a:ext uri="{91240B29-F687-4f45-9708-019B960494DF}">
-                <a14:hiddenLine xmlns="" xmlns:a14="http://schemas.microsoft.com/office/drawing/2010/main" w="9525">
+                <a14:hiddenLine xmlns:a14="http://schemas.microsoft.com/office/drawing/2010/main" xmlns="" w="9525">
                   <a:solidFill>
                     <a:srgbClr val="000000"/>
                   </a:solidFill>
@@ -3107,7 +3107,7 @@
             </a:ln>
             <a:extLst>
               <a:ext uri="{91240B29-F687-4f45-9708-019B960494DF}">
-                <a14:hiddenLine xmlns="" xmlns:a14="http://schemas.microsoft.com/office/drawing/2010/main" w="9525">
+                <a14:hiddenLine xmlns:a14="http://schemas.microsoft.com/office/drawing/2010/main" xmlns="" w="9525">
                   <a:solidFill>
                     <a:srgbClr val="000000"/>
                   </a:solidFill>
@@ -3175,7 +3175,7 @@
             </a:ln>
             <a:extLst>
               <a:ext uri="{91240B29-F687-4f45-9708-019B960494DF}">
-                <a14:hiddenLine xmlns="" xmlns:a14="http://schemas.microsoft.com/office/drawing/2010/main" w="9525">
+                <a14:hiddenLine xmlns:a14="http://schemas.microsoft.com/office/drawing/2010/main" xmlns="" w="9525">
                   <a:solidFill>
                     <a:srgbClr val="000000"/>
                   </a:solidFill>
@@ -3237,7 +3237,7 @@
             </a:ln>
             <a:extLst>
               <a:ext uri="{91240B29-F687-4f45-9708-019B960494DF}">
-                <a14:hiddenLine xmlns="" xmlns:a14="http://schemas.microsoft.com/office/drawing/2010/main" w="9525">
+                <a14:hiddenLine xmlns:a14="http://schemas.microsoft.com/office/drawing/2010/main" xmlns="" w="9525">
                   <a:solidFill>
                     <a:srgbClr val="000000"/>
                   </a:solidFill>
@@ -3327,7 +3327,7 @@
             </a:ln>
             <a:extLst>
               <a:ext uri="{91240B29-F687-4f45-9708-019B960494DF}">
-                <a14:hiddenLine xmlns="" xmlns:a14="http://schemas.microsoft.com/office/drawing/2010/main" w="9525">
+                <a14:hiddenLine xmlns:a14="http://schemas.microsoft.com/office/drawing/2010/main" xmlns="" w="9525">
                   <a:solidFill>
                     <a:srgbClr val="000000"/>
                   </a:solidFill>
@@ -3389,7 +3389,7 @@
             </a:ln>
             <a:extLst>
               <a:ext uri="{91240B29-F687-4f45-9708-019B960494DF}">
-                <a14:hiddenLine xmlns="" xmlns:a14="http://schemas.microsoft.com/office/drawing/2010/main" w="9525">
+                <a14:hiddenLine xmlns:a14="http://schemas.microsoft.com/office/drawing/2010/main" xmlns="" w="9525">
                   <a:solidFill>
                     <a:srgbClr val="000000"/>
                   </a:solidFill>
@@ -3479,7 +3479,7 @@
             </a:ln>
             <a:extLst>
               <a:ext uri="{91240B29-F687-4f45-9708-019B960494DF}">
-                <a14:hiddenLine xmlns="" xmlns:a14="http://schemas.microsoft.com/office/drawing/2010/main" w="9525">
+                <a14:hiddenLine xmlns:a14="http://schemas.microsoft.com/office/drawing/2010/main" xmlns="" w="9525">
                   <a:solidFill>
                     <a:srgbClr val="000000"/>
                   </a:solidFill>
@@ -3541,7 +3541,7 @@
             </a:ln>
             <a:extLst>
               <a:ext uri="{91240B29-F687-4f45-9708-019B960494DF}">
-                <a14:hiddenLine xmlns="" xmlns:a14="http://schemas.microsoft.com/office/drawing/2010/main" w="9525">
+                <a14:hiddenLine xmlns:a14="http://schemas.microsoft.com/office/drawing/2010/main" xmlns="" w="9525">
                   <a:solidFill>
                     <a:srgbClr val="000000"/>
                   </a:solidFill>
@@ -3631,7 +3631,7 @@
             </a:ln>
             <a:extLst>
               <a:ext uri="{91240B29-F687-4f45-9708-019B960494DF}">
-                <a14:hiddenLine xmlns="" xmlns:a14="http://schemas.microsoft.com/office/drawing/2010/main" w="9525">
+                <a14:hiddenLine xmlns:a14="http://schemas.microsoft.com/office/drawing/2010/main" xmlns="" w="9525">
                   <a:solidFill>
                     <a:srgbClr val="000000"/>
                   </a:solidFill>
@@ -3665,7 +3665,7 @@
             </a:ln>
             <a:extLst>
               <a:ext uri="{91240B29-F687-4f45-9708-019B960494DF}">
-                <a14:hiddenLine xmlns="" xmlns:a14="http://schemas.microsoft.com/office/drawing/2010/main" w="9525">
+                <a14:hiddenLine xmlns:a14="http://schemas.microsoft.com/office/drawing/2010/main" xmlns="" w="9525">
                   <a:solidFill>
                     <a:srgbClr val="000000"/>
                   </a:solidFill>
@@ -3730,7 +3730,7 @@
             </a:ln>
             <a:extLst>
               <a:ext uri="{91240B29-F687-4f45-9708-019B960494DF}">
-                <a14:hiddenLine xmlns="" xmlns:a14="http://schemas.microsoft.com/office/drawing/2010/main" w="9525">
+                <a14:hiddenLine xmlns:a14="http://schemas.microsoft.com/office/drawing/2010/main" xmlns="" w="9525">
                   <a:solidFill>
                     <a:srgbClr val="000000"/>
                   </a:solidFill>
@@ -3820,7 +3820,7 @@
             </a:ln>
             <a:extLst>
               <a:ext uri="{91240B29-F687-4f45-9708-019B960494DF}">
-                <a14:hiddenLine xmlns="" xmlns:a14="http://schemas.microsoft.com/office/drawing/2010/main" w="9525">
+                <a14:hiddenLine xmlns:a14="http://schemas.microsoft.com/office/drawing/2010/main" xmlns="" w="9525">
                   <a:solidFill>
                     <a:srgbClr val="000000"/>
                   </a:solidFill>
@@ -3882,7 +3882,7 @@
             </a:ln>
             <a:extLst>
               <a:ext uri="{91240B29-F687-4f45-9708-019B960494DF}">
-                <a14:hiddenLine xmlns="" xmlns:a14="http://schemas.microsoft.com/office/drawing/2010/main" w="9525">
+                <a14:hiddenLine xmlns:a14="http://schemas.microsoft.com/office/drawing/2010/main" xmlns="" w="9525">
                   <a:solidFill>
                     <a:srgbClr val="000000"/>
                   </a:solidFill>
@@ -3972,7 +3972,7 @@
             </a:ln>
             <a:extLst>
               <a:ext uri="{91240B29-F687-4f45-9708-019B960494DF}">
-                <a14:hiddenLine xmlns="" xmlns:a14="http://schemas.microsoft.com/office/drawing/2010/main" w="9525">
+                <a14:hiddenLine xmlns:a14="http://schemas.microsoft.com/office/drawing/2010/main" xmlns="" w="9525">
                   <a:solidFill>
                     <a:srgbClr val="000000"/>
                   </a:solidFill>
@@ -4062,7 +4062,7 @@
             </a:ln>
             <a:extLst>
               <a:ext uri="{91240B29-F687-4f45-9708-019B960494DF}">
-                <a14:hiddenLine xmlns="" xmlns:a14="http://schemas.microsoft.com/office/drawing/2010/main" w="9525">
+                <a14:hiddenLine xmlns:a14="http://schemas.microsoft.com/office/drawing/2010/main" xmlns="" w="9525">
                   <a:solidFill>
                     <a:srgbClr val="000000"/>
                   </a:solidFill>
@@ -4127,7 +4127,7 @@
             </a:ln>
             <a:extLst>
               <a:ext uri="{91240B29-F687-4f45-9708-019B960494DF}">
-                <a14:hiddenLine xmlns="" xmlns:a14="http://schemas.microsoft.com/office/drawing/2010/main" w="9525">
+                <a14:hiddenLine xmlns:a14="http://schemas.microsoft.com/office/drawing/2010/main" xmlns="" w="9525">
                   <a:solidFill>
                     <a:srgbClr val="000000"/>
                   </a:solidFill>
@@ -4189,7 +4189,7 @@
             </a:ln>
             <a:extLst>
               <a:ext uri="{91240B29-F687-4f45-9708-019B960494DF}">
-                <a14:hiddenLine xmlns="" xmlns:a14="http://schemas.microsoft.com/office/drawing/2010/main" w="9525">
+                <a14:hiddenLine xmlns:a14="http://schemas.microsoft.com/office/drawing/2010/main" xmlns="" w="9525">
                   <a:solidFill>
                     <a:srgbClr val="000000"/>
                   </a:solidFill>
@@ -4279,7 +4279,7 @@
             </a:ln>
             <a:extLst>
               <a:ext uri="{91240B29-F687-4f45-9708-019B960494DF}">
-                <a14:hiddenLine xmlns="" xmlns:a14="http://schemas.microsoft.com/office/drawing/2010/main" w="9525">
+                <a14:hiddenLine xmlns:a14="http://schemas.microsoft.com/office/drawing/2010/main" xmlns="" w="9525">
                   <a:solidFill>
                     <a:srgbClr val="000000"/>
                   </a:solidFill>
@@ -4369,7 +4369,7 @@
             </a:ln>
             <a:extLst>
               <a:ext uri="{91240B29-F687-4f45-9708-019B960494DF}">
-                <a14:hiddenLine xmlns="" xmlns:a14="http://schemas.microsoft.com/office/drawing/2010/main" w="9525">
+                <a14:hiddenLine xmlns:a14="http://schemas.microsoft.com/office/drawing/2010/main" xmlns="" w="9525">
                   <a:solidFill>
                     <a:srgbClr val="000000"/>
                   </a:solidFill>
@@ -4431,7 +4431,7 @@
             </a:ln>
             <a:extLst>
               <a:ext uri="{91240B29-F687-4f45-9708-019B960494DF}">
-                <a14:hiddenLine xmlns="" xmlns:a14="http://schemas.microsoft.com/office/drawing/2010/main" w="9525">
+                <a14:hiddenLine xmlns:a14="http://schemas.microsoft.com/office/drawing/2010/main" xmlns="" w="9525">
                   <a:solidFill>
                     <a:srgbClr val="000000"/>
                   </a:solidFill>
@@ -4551,7 +4551,7 @@
             </a:ln>
             <a:extLst>
               <a:ext uri="{91240B29-F687-4f45-9708-019B960494DF}">
-                <a14:hiddenLine xmlns="" xmlns:a14="http://schemas.microsoft.com/office/drawing/2010/main" w="9525">
+                <a14:hiddenLine xmlns:a14="http://schemas.microsoft.com/office/drawing/2010/main" xmlns="" w="9525">
                   <a:solidFill>
                     <a:srgbClr val="000000"/>
                   </a:solidFill>
@@ -4619,7 +4619,7 @@
             </a:ln>
             <a:extLst>
               <a:ext uri="{91240B29-F687-4f45-9708-019B960494DF}">
-                <a14:hiddenLine xmlns="" xmlns:a14="http://schemas.microsoft.com/office/drawing/2010/main" w="9525">
+                <a14:hiddenLine xmlns:a14="http://schemas.microsoft.com/office/drawing/2010/main" xmlns="" w="9525">
                   <a:solidFill>
                     <a:srgbClr val="000000"/>
                   </a:solidFill>
@@ -4709,7 +4709,7 @@
             </a:ln>
             <a:extLst>
               <a:ext uri="{91240B29-F687-4f45-9708-019B960494DF}">
-                <a14:hiddenLine xmlns="" xmlns:a14="http://schemas.microsoft.com/office/drawing/2010/main" w="9525">
+                <a14:hiddenLine xmlns:a14="http://schemas.microsoft.com/office/drawing/2010/main" xmlns="" w="9525">
                   <a:solidFill>
                     <a:srgbClr val="000000"/>
                   </a:solidFill>
@@ -4850,7 +4850,7 @@
             <a:fld id="{D683B04A-1858-4E12-BF36-88F99F8D809C}" type="datetimeFigureOut">
               <a:rPr lang="en-US" smtClean="0"/>
               <a:pPr/>
-              <a:t>4/11/2022</a:t>
+              <a:t>5/14/2022</a:t>
             </a:fld>
             <a:endParaRPr lang="en-US"/>
           </a:p>
@@ -5119,7 +5119,7 @@
             <a:fld id="{D683B04A-1858-4E12-BF36-88F99F8D809C}" type="datetimeFigureOut">
               <a:rPr lang="en-US" smtClean="0"/>
               <a:pPr/>
-              <a:t>4/11/2022</a:t>
+              <a:t>5/14/2022</a:t>
             </a:fld>
             <a:endParaRPr lang="en-US"/>
           </a:p>
@@ -5317,7 +5317,7 @@
             <a:fld id="{D683B04A-1858-4E12-BF36-88F99F8D809C}" type="datetimeFigureOut">
               <a:rPr lang="en-US" smtClean="0"/>
               <a:pPr/>
-              <a:t>4/11/2022</a:t>
+              <a:t>5/14/2022</a:t>
             </a:fld>
             <a:endParaRPr lang="en-US"/>
           </a:p>
@@ -5582,7 +5582,7 @@
             <a:fld id="{D683B04A-1858-4E12-BF36-88F99F8D809C}" type="datetimeFigureOut">
               <a:rPr lang="en-US" smtClean="0"/>
               <a:pPr/>
-              <a:t>4/11/2022</a:t>
+              <a:t>5/14/2022</a:t>
             </a:fld>
             <a:endParaRPr lang="en-US"/>
           </a:p>
@@ -6018,7 +6018,7 @@
             <a:fld id="{D683B04A-1858-4E12-BF36-88F99F8D809C}" type="datetimeFigureOut">
               <a:rPr lang="en-US" smtClean="0"/>
               <a:pPr/>
-              <a:t>4/11/2022</a:t>
+              <a:t>5/14/2022</a:t>
             </a:fld>
             <a:endParaRPr lang="en-US"/>
           </a:p>
@@ -6566,7 +6566,7 @@
             <a:fld id="{D683B04A-1858-4E12-BF36-88F99F8D809C}" type="datetimeFigureOut">
               <a:rPr lang="en-US" smtClean="0"/>
               <a:pPr/>
-              <a:t>4/11/2022</a:t>
+              <a:t>5/14/2022</a:t>
             </a:fld>
             <a:endParaRPr lang="en-US"/>
           </a:p>
@@ -7288,7 +7288,7 @@
             <a:fld id="{D683B04A-1858-4E12-BF36-88F99F8D809C}" type="datetimeFigureOut">
               <a:rPr lang="en-US" smtClean="0"/>
               <a:pPr/>
-              <a:t>4/11/2022</a:t>
+              <a:t>5/14/2022</a:t>
             </a:fld>
             <a:endParaRPr lang="en-US"/>
           </a:p>
@@ -7464,7 +7464,7 @@
             <a:fld id="{D683B04A-1858-4E12-BF36-88F99F8D809C}" type="datetimeFigureOut">
               <a:rPr lang="en-US" smtClean="0"/>
               <a:pPr/>
-              <a:t>4/11/2022</a:t>
+              <a:t>5/14/2022</a:t>
             </a:fld>
             <a:endParaRPr lang="en-US"/>
           </a:p>
@@ -7646,7 +7646,7 @@
             <a:fld id="{D683B04A-1858-4E12-BF36-88F99F8D809C}" type="datetimeFigureOut">
               <a:rPr lang="en-US" smtClean="0"/>
               <a:pPr/>
-              <a:t>4/11/2022</a:t>
+              <a:t>5/14/2022</a:t>
             </a:fld>
             <a:endParaRPr lang="en-US"/>
           </a:p>
@@ -7833,7 +7833,7 @@
             <a:fld id="{D683B04A-1858-4E12-BF36-88F99F8D809C}" type="datetimeFigureOut">
               <a:rPr lang="en-US" smtClean="0"/>
               <a:pPr/>
-              <a:t>4/11/2022</a:t>
+              <a:t>5/14/2022</a:t>
             </a:fld>
             <a:endParaRPr lang="en-US"/>
           </a:p>
@@ -8095,7 +8095,7 @@
             <a:fld id="{D683B04A-1858-4E12-BF36-88F99F8D809C}" type="datetimeFigureOut">
               <a:rPr lang="en-US" smtClean="0"/>
               <a:pPr/>
-              <a:t>4/11/2022</a:t>
+              <a:t>5/14/2022</a:t>
             </a:fld>
             <a:endParaRPr lang="en-US"/>
           </a:p>
@@ -8329,7 +8329,7 @@
             <a:fld id="{D683B04A-1858-4E12-BF36-88F99F8D809C}" type="datetimeFigureOut">
               <a:rPr lang="en-US" smtClean="0"/>
               <a:pPr/>
-              <a:t>4/11/2022</a:t>
+              <a:t>5/14/2022</a:t>
             </a:fld>
             <a:endParaRPr lang="en-US"/>
           </a:p>
@@ -8712,7 +8712,7 @@
             <a:fld id="{D683B04A-1858-4E12-BF36-88F99F8D809C}" type="datetimeFigureOut">
               <a:rPr lang="en-US" smtClean="0"/>
               <a:pPr/>
-              <a:t>4/11/2022</a:t>
+              <a:t>5/14/2022</a:t>
             </a:fld>
             <a:endParaRPr lang="en-US"/>
           </a:p>
@@ -8832,7 +8832,7 @@
             <a:fld id="{D683B04A-1858-4E12-BF36-88F99F8D809C}" type="datetimeFigureOut">
               <a:rPr lang="en-US" smtClean="0"/>
               <a:pPr/>
-              <a:t>4/11/2022</a:t>
+              <a:t>5/14/2022</a:t>
             </a:fld>
             <a:endParaRPr lang="en-US"/>
           </a:p>
@@ -8929,7 +8929,7 @@
             <a:fld id="{D683B04A-1858-4E12-BF36-88F99F8D809C}" type="datetimeFigureOut">
               <a:rPr lang="en-US" smtClean="0"/>
               <a:pPr/>
-              <a:t>4/11/2022</a:t>
+              <a:t>5/14/2022</a:t>
             </a:fld>
             <a:endParaRPr lang="en-US"/>
           </a:p>
@@ -9180,7 +9180,7 @@
             <a:fld id="{D683B04A-1858-4E12-BF36-88F99F8D809C}" type="datetimeFigureOut">
               <a:rPr lang="en-US" smtClean="0"/>
               <a:pPr/>
-              <a:t>4/11/2022</a:t>
+              <a:t>5/14/2022</a:t>
             </a:fld>
             <a:endParaRPr lang="en-US"/>
           </a:p>
@@ -9434,7 +9434,7 @@
             <a:fld id="{D683B04A-1858-4E12-BF36-88F99F8D809C}" type="datetimeFigureOut">
               <a:rPr lang="en-US" smtClean="0"/>
               <a:pPr/>
-              <a:t>4/11/2022</a:t>
+              <a:t>5/14/2022</a:t>
             </a:fld>
             <a:endParaRPr lang="en-US"/>
           </a:p>
@@ -9582,7 +9582,7 @@
           <a:noFill/>
           <a:extLst>
             <a:ext uri="{909E8E84-426E-40dd-AFC4-6F175D3DCCD1}">
-              <a14:hiddenFill xmlns="" xmlns:a14="http://schemas.microsoft.com/office/drawing/2010/main">
+              <a14:hiddenFill xmlns:a14="http://schemas.microsoft.com/office/drawing/2010/main" xmlns="">
                 <a:solidFill>
                   <a:srgbClr val="FFFFFF"/>
                 </a:solidFill>
@@ -9656,7 +9656,7 @@
               </a:ln>
               <a:extLst>
                 <a:ext uri="{91240B29-F687-4f45-9708-019B960494DF}">
-                  <a14:hiddenLine xmlns="" xmlns:a14="http://schemas.microsoft.com/office/drawing/2010/main" w="9525">
+                  <a14:hiddenLine xmlns:a14="http://schemas.microsoft.com/office/drawing/2010/main" xmlns="" w="9525">
                     <a:solidFill>
                       <a:srgbClr val="000000"/>
                     </a:solidFill>
@@ -9746,7 +9746,7 @@
               </a:ln>
               <a:extLst>
                 <a:ext uri="{91240B29-F687-4f45-9708-019B960494DF}">
-                  <a14:hiddenLine xmlns="" xmlns:a14="http://schemas.microsoft.com/office/drawing/2010/main" w="9525">
+                  <a14:hiddenLine xmlns:a14="http://schemas.microsoft.com/office/drawing/2010/main" xmlns="" w="9525">
                     <a:solidFill>
                       <a:srgbClr val="000000"/>
                     </a:solidFill>
@@ -9836,7 +9836,7 @@
               </a:ln>
               <a:extLst>
                 <a:ext uri="{91240B29-F687-4f45-9708-019B960494DF}">
-                  <a14:hiddenLine xmlns="" xmlns:a14="http://schemas.microsoft.com/office/drawing/2010/main" w="9525">
+                  <a14:hiddenLine xmlns:a14="http://schemas.microsoft.com/office/drawing/2010/main" xmlns="" w="9525">
                     <a:solidFill>
                       <a:srgbClr val="000000"/>
                     </a:solidFill>
@@ -9898,7 +9898,7 @@
               </a:ln>
               <a:extLst>
                 <a:ext uri="{91240B29-F687-4f45-9708-019B960494DF}">
-                  <a14:hiddenLine xmlns="" xmlns:a14="http://schemas.microsoft.com/office/drawing/2010/main" w="9525">
+                  <a14:hiddenLine xmlns:a14="http://schemas.microsoft.com/office/drawing/2010/main" xmlns="" w="9525">
                     <a:solidFill>
                       <a:srgbClr val="000000"/>
                     </a:solidFill>
@@ -9988,7 +9988,7 @@
               </a:ln>
               <a:extLst>
                 <a:ext uri="{91240B29-F687-4f45-9708-019B960494DF}">
-                  <a14:hiddenLine xmlns="" xmlns:a14="http://schemas.microsoft.com/office/drawing/2010/main" w="9525">
+                  <a14:hiddenLine xmlns:a14="http://schemas.microsoft.com/office/drawing/2010/main" xmlns="" w="9525">
                     <a:solidFill>
                       <a:srgbClr val="000000"/>
                     </a:solidFill>
@@ -10050,7 +10050,7 @@
               </a:ln>
               <a:extLst>
                 <a:ext uri="{91240B29-F687-4f45-9708-019B960494DF}">
-                  <a14:hiddenLine xmlns="" xmlns:a14="http://schemas.microsoft.com/office/drawing/2010/main" w="9525">
+                  <a14:hiddenLine xmlns:a14="http://schemas.microsoft.com/office/drawing/2010/main" xmlns="" w="9525">
                     <a:solidFill>
                       <a:srgbClr val="000000"/>
                     </a:solidFill>
@@ -10112,7 +10112,7 @@
               </a:ln>
               <a:extLst>
                 <a:ext uri="{91240B29-F687-4f45-9708-019B960494DF}">
-                  <a14:hiddenLine xmlns="" xmlns:a14="http://schemas.microsoft.com/office/drawing/2010/main" w="9525">
+                  <a14:hiddenLine xmlns:a14="http://schemas.microsoft.com/office/drawing/2010/main" xmlns="" w="9525">
                     <a:solidFill>
                       <a:srgbClr val="000000"/>
                     </a:solidFill>
@@ -10202,7 +10202,7 @@
               </a:ln>
               <a:extLst>
                 <a:ext uri="{91240B29-F687-4f45-9708-019B960494DF}">
-                  <a14:hiddenLine xmlns="" xmlns:a14="http://schemas.microsoft.com/office/drawing/2010/main" w="9525">
+                  <a14:hiddenLine xmlns:a14="http://schemas.microsoft.com/office/drawing/2010/main" xmlns="" w="9525">
                     <a:solidFill>
                       <a:srgbClr val="000000"/>
                     </a:solidFill>
@@ -10292,7 +10292,7 @@
               </a:ln>
               <a:extLst>
                 <a:ext uri="{91240B29-F687-4f45-9708-019B960494DF}">
-                  <a14:hiddenLine xmlns="" xmlns:a14="http://schemas.microsoft.com/office/drawing/2010/main" w="9525">
+                  <a14:hiddenLine xmlns:a14="http://schemas.microsoft.com/office/drawing/2010/main" xmlns="" w="9525">
                     <a:solidFill>
                       <a:srgbClr val="000000"/>
                     </a:solidFill>
@@ -10354,7 +10354,7 @@
               </a:ln>
               <a:extLst>
                 <a:ext uri="{91240B29-F687-4f45-9708-019B960494DF}">
-                  <a14:hiddenLine xmlns="" xmlns:a14="http://schemas.microsoft.com/office/drawing/2010/main" w="9525">
+                  <a14:hiddenLine xmlns:a14="http://schemas.microsoft.com/office/drawing/2010/main" xmlns="" w="9525">
                     <a:solidFill>
                       <a:srgbClr val="000000"/>
                     </a:solidFill>
@@ -10464,7 +10464,7 @@
               </a:ln>
               <a:extLst>
                 <a:ext uri="{91240B29-F687-4f45-9708-019B960494DF}">
-                  <a14:hiddenLine xmlns="" xmlns:a14="http://schemas.microsoft.com/office/drawing/2010/main" w="9525">
+                  <a14:hiddenLine xmlns:a14="http://schemas.microsoft.com/office/drawing/2010/main" xmlns="" w="9525">
                     <a:solidFill>
                       <a:srgbClr val="000000"/>
                     </a:solidFill>
@@ -10548,7 +10548,7 @@
               </a:ln>
               <a:extLst>
                 <a:ext uri="{91240B29-F687-4f45-9708-019B960494DF}">
-                  <a14:hiddenLine xmlns="" xmlns:a14="http://schemas.microsoft.com/office/drawing/2010/main" w="9525">
+                  <a14:hiddenLine xmlns:a14="http://schemas.microsoft.com/office/drawing/2010/main" xmlns="" w="9525">
                     <a:solidFill>
                       <a:srgbClr val="000000"/>
                     </a:solidFill>
@@ -10610,7 +10610,7 @@
               </a:ln>
               <a:extLst>
                 <a:ext uri="{91240B29-F687-4f45-9708-019B960494DF}">
-                  <a14:hiddenLine xmlns="" xmlns:a14="http://schemas.microsoft.com/office/drawing/2010/main" w="9525">
+                  <a14:hiddenLine xmlns:a14="http://schemas.microsoft.com/office/drawing/2010/main" xmlns="" w="9525">
                     <a:solidFill>
                       <a:srgbClr val="000000"/>
                     </a:solidFill>
@@ -10672,7 +10672,7 @@
               </a:ln>
               <a:extLst>
                 <a:ext uri="{91240B29-F687-4f45-9708-019B960494DF}">
-                  <a14:hiddenLine xmlns="" xmlns:a14="http://schemas.microsoft.com/office/drawing/2010/main" w="9525">
+                  <a14:hiddenLine xmlns:a14="http://schemas.microsoft.com/office/drawing/2010/main" xmlns="" w="9525">
                     <a:solidFill>
                       <a:srgbClr val="000000"/>
                     </a:solidFill>
@@ -10762,7 +10762,7 @@
               </a:ln>
               <a:extLst>
                 <a:ext uri="{91240B29-F687-4f45-9708-019B960494DF}">
-                  <a14:hiddenLine xmlns="" xmlns:a14="http://schemas.microsoft.com/office/drawing/2010/main" w="9525">
+                  <a14:hiddenLine xmlns:a14="http://schemas.microsoft.com/office/drawing/2010/main" xmlns="" w="9525">
                     <a:solidFill>
                       <a:srgbClr val="000000"/>
                     </a:solidFill>
@@ -10796,7 +10796,7 @@
               </a:ln>
               <a:extLst>
                 <a:ext uri="{91240B29-F687-4f45-9708-019B960494DF}">
-                  <a14:hiddenLine xmlns="" xmlns:a14="http://schemas.microsoft.com/office/drawing/2010/main" w="9525">
+                  <a14:hiddenLine xmlns:a14="http://schemas.microsoft.com/office/drawing/2010/main" xmlns="" w="9525">
                     <a:solidFill>
                       <a:srgbClr val="000000"/>
                     </a:solidFill>
@@ -10861,7 +10861,7 @@
               </a:ln>
               <a:extLst>
                 <a:ext uri="{91240B29-F687-4f45-9708-019B960494DF}">
-                  <a14:hiddenLine xmlns="" xmlns:a14="http://schemas.microsoft.com/office/drawing/2010/main" w="9525">
+                  <a14:hiddenLine xmlns:a14="http://schemas.microsoft.com/office/drawing/2010/main" xmlns="" w="9525">
                     <a:solidFill>
                       <a:srgbClr val="000000"/>
                     </a:solidFill>
@@ -10951,7 +10951,7 @@
               </a:ln>
               <a:extLst>
                 <a:ext uri="{91240B29-F687-4f45-9708-019B960494DF}">
-                  <a14:hiddenLine xmlns="" xmlns:a14="http://schemas.microsoft.com/office/drawing/2010/main" w="9525">
+                  <a14:hiddenLine xmlns:a14="http://schemas.microsoft.com/office/drawing/2010/main" xmlns="" w="9525">
                     <a:solidFill>
                       <a:srgbClr val="000000"/>
                     </a:solidFill>
@@ -11013,7 +11013,7 @@
               </a:ln>
               <a:extLst>
                 <a:ext uri="{91240B29-F687-4f45-9708-019B960494DF}">
-                  <a14:hiddenLine xmlns="" xmlns:a14="http://schemas.microsoft.com/office/drawing/2010/main" w="9525">
+                  <a14:hiddenLine xmlns:a14="http://schemas.microsoft.com/office/drawing/2010/main" xmlns="" w="9525">
                     <a:solidFill>
                       <a:srgbClr val="000000"/>
                     </a:solidFill>
@@ -11103,7 +11103,7 @@
               </a:ln>
               <a:extLst>
                 <a:ext uri="{91240B29-F687-4f45-9708-019B960494DF}">
-                  <a14:hiddenLine xmlns="" xmlns:a14="http://schemas.microsoft.com/office/drawing/2010/main" w="9525">
+                  <a14:hiddenLine xmlns:a14="http://schemas.microsoft.com/office/drawing/2010/main" xmlns="" w="9525">
                     <a:solidFill>
                       <a:srgbClr val="000000"/>
                     </a:solidFill>
@@ -11168,7 +11168,7 @@
               </a:ln>
               <a:extLst>
                 <a:ext uri="{91240B29-F687-4f45-9708-019B960494DF}">
-                  <a14:hiddenLine xmlns="" xmlns:a14="http://schemas.microsoft.com/office/drawing/2010/main" w="9525">
+                  <a14:hiddenLine xmlns:a14="http://schemas.microsoft.com/office/drawing/2010/main" xmlns="" w="9525">
                     <a:solidFill>
                       <a:srgbClr val="000000"/>
                     </a:solidFill>
@@ -11230,7 +11230,7 @@
               </a:ln>
               <a:extLst>
                 <a:ext uri="{91240B29-F687-4f45-9708-019B960494DF}">
-                  <a14:hiddenLine xmlns="" xmlns:a14="http://schemas.microsoft.com/office/drawing/2010/main" w="9525">
+                  <a14:hiddenLine xmlns:a14="http://schemas.microsoft.com/office/drawing/2010/main" xmlns="" w="9525">
                     <a:solidFill>
                       <a:srgbClr val="000000"/>
                     </a:solidFill>
@@ -11320,7 +11320,7 @@
               </a:ln>
               <a:extLst>
                 <a:ext uri="{91240B29-F687-4f45-9708-019B960494DF}">
-                  <a14:hiddenLine xmlns="" xmlns:a14="http://schemas.microsoft.com/office/drawing/2010/main" w="9525">
+                  <a14:hiddenLine xmlns:a14="http://schemas.microsoft.com/office/drawing/2010/main" xmlns="" w="9525">
                     <a:solidFill>
                       <a:srgbClr val="000000"/>
                     </a:solidFill>
@@ -11410,7 +11410,7 @@
               </a:ln>
               <a:extLst>
                 <a:ext uri="{91240B29-F687-4f45-9708-019B960494DF}">
-                  <a14:hiddenLine xmlns="" xmlns:a14="http://schemas.microsoft.com/office/drawing/2010/main" w="9525">
+                  <a14:hiddenLine xmlns:a14="http://schemas.microsoft.com/office/drawing/2010/main" xmlns="" w="9525">
                     <a:solidFill>
                       <a:srgbClr val="000000"/>
                     </a:solidFill>
@@ -11475,7 +11475,7 @@
               </a:ln>
               <a:extLst>
                 <a:ext uri="{91240B29-F687-4f45-9708-019B960494DF}">
-                  <a14:hiddenLine xmlns="" xmlns:a14="http://schemas.microsoft.com/office/drawing/2010/main" w="9525">
+                  <a14:hiddenLine xmlns:a14="http://schemas.microsoft.com/office/drawing/2010/main" xmlns="" w="9525">
                     <a:solidFill>
                       <a:srgbClr val="000000"/>
                     </a:solidFill>
@@ -11595,7 +11595,7 @@
               </a:ln>
               <a:extLst>
                 <a:ext uri="{91240B29-F687-4f45-9708-019B960494DF}">
-                  <a14:hiddenLine xmlns="" xmlns:a14="http://schemas.microsoft.com/office/drawing/2010/main" w="9525">
+                  <a14:hiddenLine xmlns:a14="http://schemas.microsoft.com/office/drawing/2010/main" xmlns="" w="9525">
                     <a:solidFill>
                       <a:srgbClr val="000000"/>
                     </a:solidFill>
@@ -11693,7 +11693,7 @@
               </a:ln>
               <a:extLst>
                 <a:ext uri="{91240B29-F687-4f45-9708-019B960494DF}">
-                  <a14:hiddenLine xmlns="" xmlns:a14="http://schemas.microsoft.com/office/drawing/2010/main" w="9525">
+                  <a14:hiddenLine xmlns:a14="http://schemas.microsoft.com/office/drawing/2010/main" xmlns="" w="9525">
                     <a:solidFill>
                       <a:srgbClr val="000000"/>
                     </a:solidFill>
@@ -11808,7 +11808,7 @@
               </a:ln>
               <a:extLst>
                 <a:ext uri="{91240B29-F687-4f45-9708-019B960494DF}">
-                  <a14:hiddenLine xmlns="" xmlns:a14="http://schemas.microsoft.com/office/drawing/2010/main" w="9525">
+                  <a14:hiddenLine xmlns:a14="http://schemas.microsoft.com/office/drawing/2010/main" xmlns="" w="9525">
                     <a:solidFill>
                       <a:srgbClr val="000000"/>
                     </a:solidFill>
@@ -11898,7 +11898,7 @@
               </a:ln>
               <a:extLst>
                 <a:ext uri="{91240B29-F687-4f45-9708-019B960494DF}">
-                  <a14:hiddenLine xmlns="" xmlns:a14="http://schemas.microsoft.com/office/drawing/2010/main" w="9525">
+                  <a14:hiddenLine xmlns:a14="http://schemas.microsoft.com/office/drawing/2010/main" xmlns="" w="9525">
                     <a:solidFill>
                       <a:srgbClr val="000000"/>
                     </a:solidFill>
@@ -11963,7 +11963,7 @@
               </a:ln>
               <a:extLst>
                 <a:ext uri="{91240B29-F687-4f45-9708-019B960494DF}">
-                  <a14:hiddenLine xmlns="" xmlns:a14="http://schemas.microsoft.com/office/drawing/2010/main" w="9525">
+                  <a14:hiddenLine xmlns:a14="http://schemas.microsoft.com/office/drawing/2010/main" xmlns="" w="9525">
                     <a:solidFill>
                       <a:srgbClr val="000000"/>
                     </a:solidFill>
@@ -12053,7 +12053,7 @@
               </a:ln>
               <a:extLst>
                 <a:ext uri="{91240B29-F687-4f45-9708-019B960494DF}">
-                  <a14:hiddenLine xmlns="" xmlns:a14="http://schemas.microsoft.com/office/drawing/2010/main" w="9525">
+                  <a14:hiddenLine xmlns:a14="http://schemas.microsoft.com/office/drawing/2010/main" xmlns="" w="9525">
                     <a:solidFill>
                       <a:srgbClr val="000000"/>
                     </a:solidFill>
@@ -12121,7 +12121,7 @@
               </a:ln>
               <a:extLst>
                 <a:ext uri="{91240B29-F687-4f45-9708-019B960494DF}">
-                  <a14:hiddenLine xmlns="" xmlns:a14="http://schemas.microsoft.com/office/drawing/2010/main" w="9525">
+                  <a14:hiddenLine xmlns:a14="http://schemas.microsoft.com/office/drawing/2010/main" xmlns="" w="9525">
                     <a:solidFill>
                       <a:srgbClr val="000000"/>
                     </a:solidFill>
@@ -12211,7 +12211,7 @@
               </a:ln>
               <a:extLst>
                 <a:ext uri="{91240B29-F687-4f45-9708-019B960494DF}">
-                  <a14:hiddenLine xmlns="" xmlns:a14="http://schemas.microsoft.com/office/drawing/2010/main" w="9525">
+                  <a14:hiddenLine xmlns:a14="http://schemas.microsoft.com/office/drawing/2010/main" xmlns="" w="9525">
                     <a:solidFill>
                       <a:srgbClr val="000000"/>
                     </a:solidFill>
@@ -12279,7 +12279,7 @@
               </a:ln>
               <a:extLst>
                 <a:ext uri="{91240B29-F687-4f45-9708-019B960494DF}">
-                  <a14:hiddenLine xmlns="" xmlns:a14="http://schemas.microsoft.com/office/drawing/2010/main" w="9525">
+                  <a14:hiddenLine xmlns:a14="http://schemas.microsoft.com/office/drawing/2010/main" xmlns="" w="9525">
                     <a:solidFill>
                       <a:srgbClr val="000000"/>
                     </a:solidFill>
@@ -12369,7 +12369,7 @@
               </a:ln>
               <a:extLst>
                 <a:ext uri="{91240B29-F687-4f45-9708-019B960494DF}">
-                  <a14:hiddenLine xmlns="" xmlns:a14="http://schemas.microsoft.com/office/drawing/2010/main" w="9525">
+                  <a14:hiddenLine xmlns:a14="http://schemas.microsoft.com/office/drawing/2010/main" xmlns="" w="9525">
                     <a:solidFill>
                       <a:srgbClr val="000000"/>
                     </a:solidFill>
@@ -12403,7 +12403,7 @@
               </a:ln>
               <a:extLst>
                 <a:ext uri="{91240B29-F687-4f45-9708-019B960494DF}">
-                  <a14:hiddenLine xmlns="" xmlns:a14="http://schemas.microsoft.com/office/drawing/2010/main" w="9525">
+                  <a14:hiddenLine xmlns:a14="http://schemas.microsoft.com/office/drawing/2010/main" xmlns="" w="9525">
                     <a:solidFill>
                       <a:srgbClr val="000000"/>
                     </a:solidFill>
@@ -12544,7 +12544,7 @@
             <a:fld id="{D683B04A-1858-4E12-BF36-88F99F8D809C}" type="datetimeFigureOut">
               <a:rPr lang="en-US" smtClean="0"/>
               <a:pPr/>
-              <a:t>4/11/2022</a:t>
+              <a:t>5/14/2022</a:t>
             </a:fld>
             <a:endParaRPr lang="en-US"/>
           </a:p>
@@ -13982,758 +13982,6 @@
       </p:sp>
       <p:sp>
         <p:nvSpPr>
-          <p:cNvPr id="10" name="Oval 126"/>
-          <p:cNvSpPr>
-            <a:spLocks noChangeArrowheads="1"/>
-          </p:cNvSpPr>
-          <p:nvPr/>
-        </p:nvSpPr>
-        <p:spPr bwMode="auto">
-          <a:xfrm>
-            <a:off x="4905917" y="5229328"/>
-            <a:ext cx="2249488" cy="482600"/>
-          </a:xfrm>
-          <a:prstGeom prst="ellipse">
-            <a:avLst/>
-          </a:prstGeom>
-          <a:gradFill rotWithShape="0">
-            <a:gsLst>
-              <a:gs pos="0">
-                <a:srgbClr val="5B9BD5"/>
-              </a:gs>
-              <a:gs pos="100000">
-                <a:srgbClr val="1F4D78"/>
-              </a:gs>
-            </a:gsLst>
-            <a:lin ang="2700000" scaled="1"/>
-          </a:gradFill>
-          <a:ln w="28575">
-            <a:solidFill>
-              <a:srgbClr val="000000"/>
-            </a:solidFill>
-            <a:round/>
-            <a:headEnd/>
-            <a:tailEnd/>
-          </a:ln>
-          <a:effectLst>
-            <a:outerShdw sy="50000" kx="-2453608" rotWithShape="0">
-              <a:srgbClr val="BDD6EE">
-                <a:alpha val="50000"/>
-              </a:srgbClr>
-            </a:outerShdw>
-          </a:effectLst>
-        </p:spPr>
-        <p:txBody>
-          <a:bodyPr vert="horz" wrap="square" lIns="91440" tIns="45720" rIns="91440" bIns="45720" numCol="1" anchor="t" anchorCtr="0" compatLnSpc="1">
-            <a:prstTxWarp prst="textNoShape">
-              <a:avLst/>
-            </a:prstTxWarp>
-          </a:bodyPr>
-          <a:lstStyle/>
-          <a:p>
-            <a:pPr marL="0" marR="0" lvl="0" indent="0" algn="just" defTabSz="914400" rtl="0" eaLnBrk="0" fontAlgn="base" latinLnBrk="0" hangingPunct="0">
-              <a:lnSpc>
-                <a:spcPct val="100000"/>
-              </a:lnSpc>
-              <a:spcBef>
-                <a:spcPct val="0"/>
-              </a:spcBef>
-              <a:spcAft>
-                <a:spcPct val="0"/>
-              </a:spcAft>
-              <a:buClrTx/>
-              <a:buSzTx/>
-              <a:buFontTx/>
-              <a:buNone/>
-              <a:tabLst/>
-            </a:pPr>
-            <a:r>
-              <a:rPr kumimoji="0" lang="en-US" altLang="en-US" sz="1600" b="1" i="0" u="none" strike="noStrike" cap="none" normalizeH="0" baseline="0" dirty="0">
-                <a:ln>
-                  <a:noFill/>
-                </a:ln>
-                <a:solidFill>
-                  <a:schemeClr val="tx1"/>
-                </a:solidFill>
-                <a:effectLst/>
-                <a:latin typeface="Calibri" panose="020F0502020204030204" pitchFamily="34" charset="0"/>
-                <a:ea typeface="Calibri" panose="020F0502020204030204" pitchFamily="34" charset="0"/>
-                <a:cs typeface="Times New Roman" panose="02020603050405020304" pitchFamily="18" charset="0"/>
-              </a:rPr>
-              <a:t>    Add Teachers</a:t>
-            </a:r>
-            <a:endParaRPr kumimoji="0" lang="en-US" altLang="en-US" sz="1800" b="0" i="0" u="none" strike="noStrike" cap="none" normalizeH="0" baseline="0" dirty="0">
-              <a:ln>
-                <a:noFill/>
-              </a:ln>
-              <a:solidFill>
-                <a:schemeClr val="tx1"/>
-              </a:solidFill>
-              <a:effectLst/>
-              <a:latin typeface="Arial" panose="020B0604020202020204" pitchFamily="34" charset="0"/>
-            </a:endParaRPr>
-          </a:p>
-        </p:txBody>
-      </p:sp>
-      <p:sp>
-        <p:nvSpPr>
-          <p:cNvPr id="11" name="Oval 127"/>
-          <p:cNvSpPr>
-            <a:spLocks noChangeArrowheads="1"/>
-          </p:cNvSpPr>
-          <p:nvPr/>
-        </p:nvSpPr>
-        <p:spPr bwMode="auto">
-          <a:xfrm>
-            <a:off x="4868711" y="1705772"/>
-            <a:ext cx="2442456" cy="482600"/>
-          </a:xfrm>
-          <a:prstGeom prst="ellipse">
-            <a:avLst/>
-          </a:prstGeom>
-          <a:gradFill rotWithShape="0">
-            <a:gsLst>
-              <a:gs pos="0">
-                <a:srgbClr val="5B9BD5"/>
-              </a:gs>
-              <a:gs pos="100000">
-                <a:srgbClr val="1F4D78"/>
-              </a:gs>
-            </a:gsLst>
-            <a:lin ang="2700000" scaled="1"/>
-          </a:gradFill>
-          <a:ln w="28575">
-            <a:solidFill>
-              <a:srgbClr val="000000"/>
-            </a:solidFill>
-            <a:round/>
-            <a:headEnd/>
-            <a:tailEnd/>
-          </a:ln>
-          <a:effectLst>
-            <a:outerShdw sy="50000" kx="-2453608" rotWithShape="0">
-              <a:srgbClr val="BDD6EE">
-                <a:alpha val="50000"/>
-              </a:srgbClr>
-            </a:outerShdw>
-          </a:effectLst>
-        </p:spPr>
-        <p:txBody>
-          <a:bodyPr vert="horz" wrap="square" lIns="91440" tIns="45720" rIns="91440" bIns="45720" numCol="1" anchor="t" anchorCtr="0" compatLnSpc="1">
-            <a:prstTxWarp prst="textNoShape">
-              <a:avLst/>
-            </a:prstTxWarp>
-          </a:bodyPr>
-          <a:lstStyle/>
-          <a:p>
-            <a:pPr marL="0" marR="0" lvl="0" indent="0" algn="just" defTabSz="914400" rtl="0" eaLnBrk="0" fontAlgn="base" latinLnBrk="0" hangingPunct="0">
-              <a:lnSpc>
-                <a:spcPct val="100000"/>
-              </a:lnSpc>
-              <a:spcBef>
-                <a:spcPct val="0"/>
-              </a:spcBef>
-              <a:spcAft>
-                <a:spcPct val="0"/>
-              </a:spcAft>
-              <a:buClrTx/>
-              <a:buSzTx/>
-              <a:buFontTx/>
-              <a:buNone/>
-              <a:tabLst/>
-            </a:pPr>
-            <a:r>
-              <a:rPr kumimoji="0" lang="en-US" altLang="en-US" sz="1600" b="0" i="0" u="none" strike="noStrike" cap="none" normalizeH="0" baseline="0" dirty="0">
-                <a:ln>
-                  <a:noFill/>
-                </a:ln>
-                <a:solidFill>
-                  <a:schemeClr val="tx1"/>
-                </a:solidFill>
-                <a:effectLst/>
-                <a:latin typeface="Calibri" panose="020F0502020204030204" pitchFamily="34" charset="0"/>
-                <a:ea typeface="Calibri" panose="020F0502020204030204" pitchFamily="34" charset="0"/>
-                <a:cs typeface="Times New Roman" panose="02020603050405020304" pitchFamily="18" charset="0"/>
-              </a:rPr>
-              <a:t>    </a:t>
-            </a:r>
-            <a:r>
-              <a:rPr kumimoji="0" lang="en-US" altLang="en-US" sz="1600" b="1" i="0" u="none" strike="noStrike" cap="none" normalizeH="0" baseline="0" dirty="0">
-                <a:ln>
-                  <a:noFill/>
-                </a:ln>
-                <a:solidFill>
-                  <a:schemeClr val="tx1"/>
-                </a:solidFill>
-                <a:effectLst/>
-                <a:latin typeface="Calibri" panose="020F0502020204030204" pitchFamily="34" charset="0"/>
-                <a:ea typeface="Calibri" panose="020F0502020204030204" pitchFamily="34" charset="0"/>
-                <a:cs typeface="Times New Roman" panose="02020603050405020304" pitchFamily="18" charset="0"/>
-              </a:rPr>
-              <a:t>Add Subjects</a:t>
-            </a:r>
-            <a:endParaRPr kumimoji="0" lang="en-US" altLang="en-US" sz="1800" b="0" i="0" u="none" strike="noStrike" cap="none" normalizeH="0" baseline="0" dirty="0">
-              <a:ln>
-                <a:noFill/>
-              </a:ln>
-              <a:solidFill>
-                <a:schemeClr val="tx1"/>
-              </a:solidFill>
-              <a:effectLst/>
-              <a:latin typeface="Arial" panose="020B0604020202020204" pitchFamily="34" charset="0"/>
-            </a:endParaRPr>
-          </a:p>
-        </p:txBody>
-      </p:sp>
-      <p:sp>
-        <p:nvSpPr>
-          <p:cNvPr id="12" name="Oval 128"/>
-          <p:cNvSpPr>
-            <a:spLocks noChangeArrowheads="1"/>
-          </p:cNvSpPr>
-          <p:nvPr/>
-        </p:nvSpPr>
-        <p:spPr bwMode="auto">
-          <a:xfrm>
-            <a:off x="4811615" y="6092466"/>
-            <a:ext cx="2278063" cy="387350"/>
-          </a:xfrm>
-          <a:prstGeom prst="ellipse">
-            <a:avLst/>
-          </a:prstGeom>
-          <a:gradFill rotWithShape="0">
-            <a:gsLst>
-              <a:gs pos="0">
-                <a:srgbClr val="5B9BD5"/>
-              </a:gs>
-              <a:gs pos="100000">
-                <a:srgbClr val="1F4D78"/>
-              </a:gs>
-            </a:gsLst>
-            <a:lin ang="2700000" scaled="1"/>
-          </a:gradFill>
-          <a:ln w="28575">
-            <a:solidFill>
-              <a:srgbClr val="000000"/>
-            </a:solidFill>
-            <a:round/>
-            <a:headEnd/>
-            <a:tailEnd/>
-          </a:ln>
-          <a:effectLst>
-            <a:outerShdw sy="50000" kx="-2453608" rotWithShape="0">
-              <a:srgbClr val="BDD6EE">
-                <a:alpha val="50000"/>
-              </a:srgbClr>
-            </a:outerShdw>
-          </a:effectLst>
-        </p:spPr>
-        <p:txBody>
-          <a:bodyPr vert="horz" wrap="square" lIns="91440" tIns="45720" rIns="91440" bIns="45720" numCol="1" anchor="t" anchorCtr="0" compatLnSpc="1">
-            <a:prstTxWarp prst="textNoShape">
-              <a:avLst/>
-            </a:prstTxWarp>
-          </a:bodyPr>
-          <a:lstStyle/>
-          <a:p>
-            <a:pPr marL="0" marR="0" lvl="0" indent="0" algn="just" defTabSz="914400" rtl="0" eaLnBrk="0" fontAlgn="base" latinLnBrk="0" hangingPunct="0">
-              <a:lnSpc>
-                <a:spcPct val="100000"/>
-              </a:lnSpc>
-              <a:spcBef>
-                <a:spcPct val="0"/>
-              </a:spcBef>
-              <a:spcAft>
-                <a:spcPct val="0"/>
-              </a:spcAft>
-              <a:buClrTx/>
-              <a:buSzTx/>
-              <a:buFontTx/>
-              <a:buNone/>
-              <a:tabLst/>
-            </a:pPr>
-            <a:r>
-              <a:rPr kumimoji="0" lang="en-US" altLang="en-US" sz="1100" b="0" i="0" u="none" strike="noStrike" cap="none" normalizeH="0" baseline="0">
-                <a:ln>
-                  <a:noFill/>
-                </a:ln>
-                <a:solidFill>
-                  <a:schemeClr val="tx1"/>
-                </a:solidFill>
-                <a:effectLst/>
-                <a:latin typeface="Calibri" panose="020F0502020204030204" pitchFamily="34" charset="0"/>
-                <a:ea typeface="Calibri" panose="020F0502020204030204" pitchFamily="34" charset="0"/>
-                <a:cs typeface="Times New Roman" panose="02020603050405020304" pitchFamily="18" charset="0"/>
-              </a:rPr>
-              <a:t>             </a:t>
-            </a:r>
-            <a:r>
-              <a:rPr kumimoji="0" lang="en-US" altLang="en-US" sz="1600" b="1" i="0" u="none" strike="noStrike" cap="none" normalizeH="0" baseline="0">
-                <a:ln>
-                  <a:noFill/>
-                </a:ln>
-                <a:solidFill>
-                  <a:schemeClr val="tx1"/>
-                </a:solidFill>
-                <a:effectLst/>
-                <a:latin typeface="Calibri" panose="020F0502020204030204" pitchFamily="34" charset="0"/>
-                <a:ea typeface="Calibri" panose="020F0502020204030204" pitchFamily="34" charset="0"/>
-                <a:cs typeface="Times New Roman" panose="02020603050405020304" pitchFamily="18" charset="0"/>
-              </a:rPr>
-              <a:t>Allocation</a:t>
-            </a:r>
-            <a:endParaRPr kumimoji="0" lang="en-US" altLang="en-US" sz="1800" b="0" i="0" u="none" strike="noStrike" cap="none" normalizeH="0" baseline="0">
-              <a:ln>
-                <a:noFill/>
-              </a:ln>
-              <a:solidFill>
-                <a:schemeClr val="tx1"/>
-              </a:solidFill>
-              <a:effectLst/>
-              <a:latin typeface="Arial" panose="020B0604020202020204" pitchFamily="34" charset="0"/>
-            </a:endParaRPr>
-          </a:p>
-        </p:txBody>
-      </p:sp>
-      <p:sp>
-        <p:nvSpPr>
-          <p:cNvPr id="13" name="Oval 130"/>
-          <p:cNvSpPr>
-            <a:spLocks noChangeArrowheads="1"/>
-          </p:cNvSpPr>
-          <p:nvPr/>
-        </p:nvSpPr>
-        <p:spPr bwMode="auto">
-          <a:xfrm>
-            <a:off x="4918263" y="701884"/>
-            <a:ext cx="2343352" cy="546689"/>
-          </a:xfrm>
-          <a:prstGeom prst="ellipse">
-            <a:avLst/>
-          </a:prstGeom>
-          <a:gradFill rotWithShape="0">
-            <a:gsLst>
-              <a:gs pos="0">
-                <a:srgbClr val="5B9BD5"/>
-              </a:gs>
-              <a:gs pos="100000">
-                <a:srgbClr val="1F4D78"/>
-              </a:gs>
-            </a:gsLst>
-            <a:lin ang="2700000" scaled="1"/>
-          </a:gradFill>
-          <a:ln w="28575">
-            <a:solidFill>
-              <a:srgbClr val="000000"/>
-            </a:solidFill>
-            <a:round/>
-            <a:headEnd/>
-            <a:tailEnd/>
-          </a:ln>
-          <a:effectLst>
-            <a:outerShdw sy="50000" kx="-2453608" rotWithShape="0">
-              <a:srgbClr val="BDD6EE">
-                <a:alpha val="50000"/>
-              </a:srgbClr>
-            </a:outerShdw>
-          </a:effectLst>
-        </p:spPr>
-        <p:txBody>
-          <a:bodyPr vert="horz" wrap="square" lIns="91440" tIns="45720" rIns="91440" bIns="45720" numCol="1" anchor="t" anchorCtr="0" compatLnSpc="1">
-            <a:prstTxWarp prst="textNoShape">
-              <a:avLst/>
-            </a:prstTxWarp>
-          </a:bodyPr>
-          <a:lstStyle/>
-          <a:p>
-            <a:pPr marL="0" marR="0" lvl="0" indent="0" algn="just" defTabSz="914400" rtl="0" eaLnBrk="0" fontAlgn="base" latinLnBrk="0" hangingPunct="0">
-              <a:lnSpc>
-                <a:spcPct val="100000"/>
-              </a:lnSpc>
-              <a:spcBef>
-                <a:spcPct val="0"/>
-              </a:spcBef>
-              <a:spcAft>
-                <a:spcPct val="0"/>
-              </a:spcAft>
-              <a:buClrTx/>
-              <a:buSzTx/>
-              <a:buFontTx/>
-              <a:buNone/>
-              <a:tabLst/>
-            </a:pPr>
-            <a:r>
-              <a:rPr kumimoji="0" lang="en-US" altLang="en-US" sz="1600" b="1" i="0" u="none" strike="noStrike" cap="none" normalizeH="0" baseline="0" dirty="0">
-                <a:ln>
-                  <a:noFill/>
-                </a:ln>
-                <a:solidFill>
-                  <a:schemeClr val="tx1"/>
-                </a:solidFill>
-                <a:effectLst/>
-                <a:latin typeface="Calibri" panose="020F0502020204030204" pitchFamily="34" charset="0"/>
-                <a:ea typeface="Calibri" panose="020F0502020204030204" pitchFamily="34" charset="0"/>
-                <a:cs typeface="Times New Roman" panose="02020603050405020304" pitchFamily="18" charset="0"/>
-              </a:rPr>
-              <a:t>Create Timetable</a:t>
-            </a:r>
-            <a:endParaRPr kumimoji="0" lang="en-US" altLang="en-US" sz="600" b="0" i="0" u="none" strike="noStrike" cap="none" normalizeH="0" baseline="0" dirty="0">
-              <a:ln>
-                <a:noFill/>
-              </a:ln>
-              <a:solidFill>
-                <a:schemeClr val="tx1"/>
-              </a:solidFill>
-              <a:effectLst/>
-            </a:endParaRPr>
-          </a:p>
-          <a:p>
-            <a:pPr marL="0" marR="0" lvl="0" indent="0" algn="l" defTabSz="914400" rtl="0" eaLnBrk="0" fontAlgn="base" latinLnBrk="0" hangingPunct="0">
-              <a:lnSpc>
-                <a:spcPct val="100000"/>
-              </a:lnSpc>
-              <a:spcBef>
-                <a:spcPct val="0"/>
-              </a:spcBef>
-              <a:spcAft>
-                <a:spcPct val="0"/>
-              </a:spcAft>
-              <a:buClrTx/>
-              <a:buSzTx/>
-              <a:buFontTx/>
-              <a:buNone/>
-              <a:tabLst/>
-            </a:pPr>
-            <a:endParaRPr kumimoji="0" lang="en-US" altLang="en-US" sz="1800" b="0" i="0" u="none" strike="noStrike" cap="none" normalizeH="0" baseline="0" dirty="0">
-              <a:ln>
-                <a:noFill/>
-              </a:ln>
-              <a:solidFill>
-                <a:schemeClr val="tx1"/>
-              </a:solidFill>
-              <a:effectLst/>
-              <a:latin typeface="Arial" panose="020B0604020202020204" pitchFamily="34" charset="0"/>
-            </a:endParaRPr>
-          </a:p>
-        </p:txBody>
-      </p:sp>
-      <p:sp>
-        <p:nvSpPr>
-          <p:cNvPr id="14" name="Oval 131"/>
-          <p:cNvSpPr>
-            <a:spLocks noChangeArrowheads="1"/>
-          </p:cNvSpPr>
-          <p:nvPr/>
-        </p:nvSpPr>
-        <p:spPr bwMode="auto">
-          <a:xfrm>
-            <a:off x="4832328" y="2645571"/>
-            <a:ext cx="2442456" cy="455447"/>
-          </a:xfrm>
-          <a:prstGeom prst="ellipse">
-            <a:avLst/>
-          </a:prstGeom>
-          <a:gradFill rotWithShape="0">
-            <a:gsLst>
-              <a:gs pos="0">
-                <a:srgbClr val="5B9BD5"/>
-              </a:gs>
-              <a:gs pos="100000">
-                <a:srgbClr val="1F4D78"/>
-              </a:gs>
-            </a:gsLst>
-            <a:lin ang="2700000" scaled="1"/>
-          </a:gradFill>
-          <a:ln w="28575">
-            <a:solidFill>
-              <a:srgbClr val="000000"/>
-            </a:solidFill>
-            <a:round/>
-            <a:headEnd/>
-            <a:tailEnd/>
-          </a:ln>
-          <a:effectLst>
-            <a:outerShdw sy="50000" kx="-2453608" rotWithShape="0">
-              <a:srgbClr val="BDD6EE">
-                <a:alpha val="50000"/>
-              </a:srgbClr>
-            </a:outerShdw>
-          </a:effectLst>
-        </p:spPr>
-        <p:txBody>
-          <a:bodyPr vert="horz" wrap="square" lIns="91440" tIns="45720" rIns="91440" bIns="45720" numCol="1" anchor="t" anchorCtr="0" compatLnSpc="1">
-            <a:prstTxWarp prst="textNoShape">
-              <a:avLst/>
-            </a:prstTxWarp>
-          </a:bodyPr>
-          <a:lstStyle/>
-          <a:p>
-            <a:pPr marL="0" marR="0" lvl="0" indent="0" algn="just" defTabSz="914400" rtl="0" eaLnBrk="0" fontAlgn="base" latinLnBrk="0" hangingPunct="0">
-              <a:lnSpc>
-                <a:spcPct val="100000"/>
-              </a:lnSpc>
-              <a:spcBef>
-                <a:spcPct val="0"/>
-              </a:spcBef>
-              <a:spcAft>
-                <a:spcPct val="0"/>
-              </a:spcAft>
-              <a:buClrTx/>
-              <a:buSzTx/>
-              <a:buFontTx/>
-              <a:buNone/>
-              <a:tabLst/>
-            </a:pPr>
-            <a:r>
-              <a:rPr kumimoji="0" lang="en-US" altLang="en-US" sz="1600" b="1" i="0" u="none" strike="noStrike" cap="none" normalizeH="0" baseline="0">
-                <a:ln>
-                  <a:noFill/>
-                </a:ln>
-                <a:solidFill>
-                  <a:schemeClr val="tx1"/>
-                </a:solidFill>
-                <a:effectLst/>
-                <a:latin typeface="Calibri" panose="020F0502020204030204" pitchFamily="34" charset="0"/>
-                <a:ea typeface="Calibri" panose="020F0502020204030204" pitchFamily="34" charset="0"/>
-                <a:cs typeface="Times New Roman" panose="02020603050405020304" pitchFamily="18" charset="0"/>
-              </a:rPr>
-              <a:t>  View</a:t>
-            </a:r>
-            <a:r>
-              <a:rPr kumimoji="0" lang="en-US" altLang="en-US" sz="1200" b="1" i="0" u="none" strike="noStrike" cap="none" normalizeH="0" baseline="0">
-                <a:ln>
-                  <a:noFill/>
-                </a:ln>
-                <a:solidFill>
-                  <a:schemeClr val="tx1"/>
-                </a:solidFill>
-                <a:effectLst/>
-                <a:latin typeface="Calibri" panose="020F0502020204030204" pitchFamily="34" charset="0"/>
-                <a:ea typeface="Calibri" panose="020F0502020204030204" pitchFamily="34" charset="0"/>
-                <a:cs typeface="Times New Roman" panose="02020603050405020304" pitchFamily="18" charset="0"/>
-              </a:rPr>
-              <a:t> </a:t>
-            </a:r>
-            <a:r>
-              <a:rPr kumimoji="0" lang="en-US" altLang="en-US" sz="1600" b="1" i="0" u="none" strike="noStrike" cap="none" normalizeH="0" baseline="0">
-                <a:ln>
-                  <a:noFill/>
-                </a:ln>
-                <a:solidFill>
-                  <a:schemeClr val="tx1"/>
-                </a:solidFill>
-                <a:effectLst/>
-                <a:latin typeface="Calibri" panose="020F0502020204030204" pitchFamily="34" charset="0"/>
-                <a:ea typeface="Calibri" panose="020F0502020204030204" pitchFamily="34" charset="0"/>
-                <a:cs typeface="Times New Roman" panose="02020603050405020304" pitchFamily="18" charset="0"/>
-              </a:rPr>
-              <a:t>Timetable</a:t>
-            </a:r>
-            <a:endParaRPr kumimoji="0" lang="en-US" altLang="en-US" sz="1800" b="0" i="0" u="none" strike="noStrike" cap="none" normalizeH="0" baseline="0">
-              <a:ln>
-                <a:noFill/>
-              </a:ln>
-              <a:solidFill>
-                <a:schemeClr val="tx1"/>
-              </a:solidFill>
-              <a:effectLst/>
-              <a:latin typeface="Arial" panose="020B0604020202020204" pitchFamily="34" charset="0"/>
-            </a:endParaRPr>
-          </a:p>
-        </p:txBody>
-      </p:sp>
-      <p:sp>
-        <p:nvSpPr>
-          <p:cNvPr id="15" name="Oval 132"/>
-          <p:cNvSpPr>
-            <a:spLocks noChangeArrowheads="1"/>
-          </p:cNvSpPr>
-          <p:nvPr/>
-        </p:nvSpPr>
-        <p:spPr bwMode="auto">
-          <a:xfrm>
-            <a:off x="4832328" y="3547405"/>
-            <a:ext cx="2384425" cy="442913"/>
-          </a:xfrm>
-          <a:prstGeom prst="ellipse">
-            <a:avLst/>
-          </a:prstGeom>
-          <a:gradFill rotWithShape="0">
-            <a:gsLst>
-              <a:gs pos="0">
-                <a:srgbClr val="5B9BD5"/>
-              </a:gs>
-              <a:gs pos="100000">
-                <a:srgbClr val="1F4D78"/>
-              </a:gs>
-            </a:gsLst>
-            <a:lin ang="2700000" scaled="1"/>
-          </a:gradFill>
-          <a:ln w="28575">
-            <a:solidFill>
-              <a:srgbClr val="000000"/>
-            </a:solidFill>
-            <a:round/>
-            <a:headEnd/>
-            <a:tailEnd/>
-          </a:ln>
-          <a:effectLst>
-            <a:outerShdw sy="50000" kx="-2453608" rotWithShape="0">
-              <a:srgbClr val="BDD6EE">
-                <a:alpha val="50000"/>
-              </a:srgbClr>
-            </a:outerShdw>
-          </a:effectLst>
-        </p:spPr>
-        <p:txBody>
-          <a:bodyPr vert="horz" wrap="square" lIns="91440" tIns="45720" rIns="91440" bIns="45720" numCol="1" anchor="t" anchorCtr="0" compatLnSpc="1">
-            <a:prstTxWarp prst="textNoShape">
-              <a:avLst/>
-            </a:prstTxWarp>
-          </a:bodyPr>
-          <a:lstStyle/>
-          <a:p>
-            <a:pPr marL="0" marR="0" lvl="0" indent="0" algn="just" defTabSz="914400" rtl="0" eaLnBrk="0" fontAlgn="base" latinLnBrk="0" hangingPunct="0">
-              <a:lnSpc>
-                <a:spcPct val="100000"/>
-              </a:lnSpc>
-              <a:spcBef>
-                <a:spcPct val="0"/>
-              </a:spcBef>
-              <a:spcAft>
-                <a:spcPct val="0"/>
-              </a:spcAft>
-              <a:buClrTx/>
-              <a:buSzTx/>
-              <a:buFontTx/>
-              <a:buNone/>
-              <a:tabLst/>
-            </a:pPr>
-            <a:r>
-              <a:rPr kumimoji="0" lang="en-US" altLang="en-US" sz="1600" b="1" i="0" u="none" strike="noStrike" cap="none" normalizeH="0" baseline="0">
-                <a:ln>
-                  <a:noFill/>
-                </a:ln>
-                <a:solidFill>
-                  <a:schemeClr val="tx1"/>
-                </a:solidFill>
-                <a:effectLst/>
-                <a:latin typeface="Calibri" panose="020F0502020204030204" pitchFamily="34" charset="0"/>
-                <a:ea typeface="Calibri" panose="020F0502020204030204" pitchFamily="34" charset="0"/>
-                <a:cs typeface="Times New Roman" panose="02020603050405020304" pitchFamily="18" charset="0"/>
-              </a:rPr>
-              <a:t>Modify Timetable</a:t>
-            </a:r>
-            <a:endParaRPr kumimoji="0" lang="en-US" altLang="en-US" sz="1800" b="0" i="0" u="none" strike="noStrike" cap="none" normalizeH="0" baseline="0">
-              <a:ln>
-                <a:noFill/>
-              </a:ln>
-              <a:solidFill>
-                <a:schemeClr val="tx1"/>
-              </a:solidFill>
-              <a:effectLst/>
-              <a:latin typeface="Arial" panose="020B0604020202020204" pitchFamily="34" charset="0"/>
-            </a:endParaRPr>
-          </a:p>
-        </p:txBody>
-      </p:sp>
-      <p:sp>
-        <p:nvSpPr>
-          <p:cNvPr id="16" name="Oval 133"/>
-          <p:cNvSpPr>
-            <a:spLocks noChangeArrowheads="1"/>
-          </p:cNvSpPr>
-          <p:nvPr/>
-        </p:nvSpPr>
-        <p:spPr bwMode="auto">
-          <a:xfrm>
-            <a:off x="4818605" y="4442391"/>
-            <a:ext cx="2336800" cy="406400"/>
-          </a:xfrm>
-          <a:prstGeom prst="ellipse">
-            <a:avLst/>
-          </a:prstGeom>
-          <a:gradFill rotWithShape="0">
-            <a:gsLst>
-              <a:gs pos="0">
-                <a:srgbClr val="5B9BD5"/>
-              </a:gs>
-              <a:gs pos="100000">
-                <a:srgbClr val="1F4D78"/>
-              </a:gs>
-            </a:gsLst>
-            <a:lin ang="2700000" scaled="1"/>
-          </a:gradFill>
-          <a:ln w="28575">
-            <a:solidFill>
-              <a:srgbClr val="000000"/>
-            </a:solidFill>
-            <a:round/>
-            <a:headEnd/>
-            <a:tailEnd/>
-          </a:ln>
-          <a:effectLst>
-            <a:outerShdw sy="50000" kx="-2453608" rotWithShape="0">
-              <a:srgbClr val="BDD6EE">
-                <a:alpha val="50000"/>
-              </a:srgbClr>
-            </a:outerShdw>
-          </a:effectLst>
-        </p:spPr>
-        <p:txBody>
-          <a:bodyPr vert="horz" wrap="square" lIns="91440" tIns="45720" rIns="91440" bIns="45720" numCol="1" anchor="t" anchorCtr="0" compatLnSpc="1">
-            <a:prstTxWarp prst="textNoShape">
-              <a:avLst/>
-            </a:prstTxWarp>
-          </a:bodyPr>
-          <a:lstStyle/>
-          <a:p>
-            <a:pPr marL="0" marR="0" lvl="0" indent="0" algn="just" defTabSz="914400" rtl="0" eaLnBrk="0" fontAlgn="base" latinLnBrk="0" hangingPunct="0">
-              <a:lnSpc>
-                <a:spcPct val="100000"/>
-              </a:lnSpc>
-              <a:spcBef>
-                <a:spcPct val="0"/>
-              </a:spcBef>
-              <a:spcAft>
-                <a:spcPct val="0"/>
-              </a:spcAft>
-              <a:buClrTx/>
-              <a:buSzTx/>
-              <a:buFontTx/>
-              <a:buNone/>
-              <a:tabLst/>
-            </a:pPr>
-            <a:r>
-              <a:rPr kumimoji="0" lang="en-US" altLang="en-US" sz="1600" b="1" i="0" u="none" strike="noStrike" cap="none" normalizeH="0" baseline="0" dirty="0">
-                <a:ln>
-                  <a:noFill/>
-                </a:ln>
-                <a:solidFill>
-                  <a:schemeClr val="tx1"/>
-                </a:solidFill>
-                <a:effectLst/>
-                <a:latin typeface="Calibri" panose="020F0502020204030204" pitchFamily="34" charset="0"/>
-                <a:ea typeface="Calibri" panose="020F0502020204030204" pitchFamily="34" charset="0"/>
-                <a:cs typeface="Times New Roman" panose="02020603050405020304" pitchFamily="18" charset="0"/>
-              </a:rPr>
-              <a:t>   Add Classroom</a:t>
-            </a:r>
-            <a:endParaRPr kumimoji="0" lang="en-US" altLang="en-US" sz="1800" b="0" i="0" u="none" strike="noStrike" cap="none" normalizeH="0" baseline="0" dirty="0">
-              <a:ln>
-                <a:noFill/>
-              </a:ln>
-              <a:solidFill>
-                <a:schemeClr val="tx1"/>
-              </a:solidFill>
-              <a:effectLst/>
-              <a:latin typeface="Arial" panose="020B0604020202020204" pitchFamily="34" charset="0"/>
-            </a:endParaRPr>
-          </a:p>
-        </p:txBody>
-      </p:sp>
-      <p:sp>
-        <p:nvSpPr>
           <p:cNvPr id="25" name="Rectangle 22"/>
           <p:cNvSpPr>
             <a:spLocks noChangeArrowheads="1"/>
@@ -15761,349 +15009,6 @@
           <a:lstStyle/>
           <a:p>
             <a:endParaRPr lang="en-US"/>
-          </a:p>
-        </p:txBody>
-      </p:sp>
-      <p:cxnSp>
-        <p:nvCxnSpPr>
-          <p:cNvPr id="37" name="Straight Connector 36">
-            <a:extLst>
-              <a:ext uri="{FF2B5EF4-FFF2-40B4-BE49-F238E27FC236}">
-                <a16:creationId xmlns:a16="http://schemas.microsoft.com/office/drawing/2014/main" id="{B765D957-263E-4C8D-9474-76476013F646}"/>
-              </a:ext>
-            </a:extLst>
-          </p:cNvPr>
-          <p:cNvCxnSpPr>
-            <a:cxnSpLocks/>
-          </p:cNvCxnSpPr>
-          <p:nvPr/>
-        </p:nvCxnSpPr>
-        <p:spPr>
-          <a:xfrm flipH="1">
-            <a:off x="3344711" y="1066800"/>
-            <a:ext cx="1684489" cy="2615275"/>
-          </a:xfrm>
-          <a:prstGeom prst="line">
-            <a:avLst/>
-          </a:prstGeom>
-        </p:spPr>
-        <p:style>
-          <a:lnRef idx="1">
-            <a:schemeClr val="dk1"/>
-          </a:lnRef>
-          <a:fillRef idx="0">
-            <a:schemeClr val="dk1"/>
-          </a:fillRef>
-          <a:effectRef idx="0">
-            <a:schemeClr val="dk1"/>
-          </a:effectRef>
-          <a:fontRef idx="minor">
-            <a:schemeClr val="tx1"/>
-          </a:fontRef>
-        </p:style>
-      </p:cxnSp>
-      <p:cxnSp>
-        <p:nvCxnSpPr>
-          <p:cNvPr id="47" name="Straight Connector 46">
-            <a:extLst>
-              <a:ext uri="{FF2B5EF4-FFF2-40B4-BE49-F238E27FC236}">
-                <a16:creationId xmlns:a16="http://schemas.microsoft.com/office/drawing/2014/main" id="{96C9E23E-DE54-4AEC-831A-01B572C3E2C9}"/>
-              </a:ext>
-            </a:extLst>
-          </p:cNvPr>
-          <p:cNvCxnSpPr>
-            <a:cxnSpLocks/>
-            <a:endCxn id="14" idx="2"/>
-          </p:cNvCxnSpPr>
-          <p:nvPr/>
-        </p:nvCxnSpPr>
-        <p:spPr>
-          <a:xfrm flipV="1">
-            <a:off x="3344711" y="2873295"/>
-            <a:ext cx="1487617" cy="788848"/>
-          </a:xfrm>
-          <a:prstGeom prst="line">
-            <a:avLst/>
-          </a:prstGeom>
-        </p:spPr>
-        <p:style>
-          <a:lnRef idx="1">
-            <a:schemeClr val="dk1"/>
-          </a:lnRef>
-          <a:fillRef idx="0">
-            <a:schemeClr val="dk1"/>
-          </a:fillRef>
-          <a:effectRef idx="0">
-            <a:schemeClr val="dk1"/>
-          </a:effectRef>
-          <a:fontRef idx="minor">
-            <a:schemeClr val="tx1"/>
-          </a:fontRef>
-        </p:style>
-      </p:cxnSp>
-      <p:cxnSp>
-        <p:nvCxnSpPr>
-          <p:cNvPr id="50" name="Straight Connector 49">
-            <a:extLst>
-              <a:ext uri="{FF2B5EF4-FFF2-40B4-BE49-F238E27FC236}">
-                <a16:creationId xmlns:a16="http://schemas.microsoft.com/office/drawing/2014/main" id="{216B42C0-85E2-4CA5-AF93-40963F6E4A9B}"/>
-              </a:ext>
-            </a:extLst>
-          </p:cNvPr>
-          <p:cNvCxnSpPr>
-            <a:cxnSpLocks/>
-            <a:endCxn id="11" idx="2"/>
-          </p:cNvCxnSpPr>
-          <p:nvPr/>
-        </p:nvCxnSpPr>
-        <p:spPr>
-          <a:xfrm flipV="1">
-            <a:off x="3344711" y="1947072"/>
-            <a:ext cx="1524000" cy="1735003"/>
-          </a:xfrm>
-          <a:prstGeom prst="line">
-            <a:avLst/>
-          </a:prstGeom>
-        </p:spPr>
-        <p:style>
-          <a:lnRef idx="1">
-            <a:schemeClr val="dk1"/>
-          </a:lnRef>
-          <a:fillRef idx="0">
-            <a:schemeClr val="dk1"/>
-          </a:fillRef>
-          <a:effectRef idx="0">
-            <a:schemeClr val="dk1"/>
-          </a:effectRef>
-          <a:fontRef idx="minor">
-            <a:schemeClr val="tx1"/>
-          </a:fontRef>
-        </p:style>
-      </p:cxnSp>
-      <p:cxnSp>
-        <p:nvCxnSpPr>
-          <p:cNvPr id="53" name="Straight Connector 52">
-            <a:extLst>
-              <a:ext uri="{FF2B5EF4-FFF2-40B4-BE49-F238E27FC236}">
-                <a16:creationId xmlns:a16="http://schemas.microsoft.com/office/drawing/2014/main" id="{897A4BB3-9882-4B0B-A287-42EA51564D9A}"/>
-              </a:ext>
-            </a:extLst>
-          </p:cNvPr>
-          <p:cNvCxnSpPr>
-            <a:cxnSpLocks/>
-            <a:endCxn id="15" idx="2"/>
-          </p:cNvCxnSpPr>
-          <p:nvPr/>
-        </p:nvCxnSpPr>
-        <p:spPr>
-          <a:xfrm>
-            <a:off x="3344711" y="3682075"/>
-            <a:ext cx="1487617" cy="86787"/>
-          </a:xfrm>
-          <a:prstGeom prst="line">
-            <a:avLst/>
-          </a:prstGeom>
-        </p:spPr>
-        <p:style>
-          <a:lnRef idx="1">
-            <a:schemeClr val="dk1"/>
-          </a:lnRef>
-          <a:fillRef idx="0">
-            <a:schemeClr val="dk1"/>
-          </a:fillRef>
-          <a:effectRef idx="0">
-            <a:schemeClr val="dk1"/>
-          </a:effectRef>
-          <a:fontRef idx="minor">
-            <a:schemeClr val="tx1"/>
-          </a:fontRef>
-        </p:style>
-      </p:cxnSp>
-      <p:cxnSp>
-        <p:nvCxnSpPr>
-          <p:cNvPr id="59" name="Straight Connector 58">
-            <a:extLst>
-              <a:ext uri="{FF2B5EF4-FFF2-40B4-BE49-F238E27FC236}">
-                <a16:creationId xmlns:a16="http://schemas.microsoft.com/office/drawing/2014/main" id="{2BD1188E-EA0C-4296-A534-10C954A6FCBD}"/>
-              </a:ext>
-            </a:extLst>
-          </p:cNvPr>
-          <p:cNvCxnSpPr>
-            <a:stCxn id="16" idx="2"/>
-          </p:cNvCxnSpPr>
-          <p:nvPr/>
-        </p:nvCxnSpPr>
-        <p:spPr>
-          <a:xfrm flipH="1" flipV="1">
-            <a:off x="3344711" y="3662143"/>
-            <a:ext cx="1473894" cy="983448"/>
-          </a:xfrm>
-          <a:prstGeom prst="line">
-            <a:avLst/>
-          </a:prstGeom>
-        </p:spPr>
-        <p:style>
-          <a:lnRef idx="1">
-            <a:schemeClr val="dk1"/>
-          </a:lnRef>
-          <a:fillRef idx="0">
-            <a:schemeClr val="dk1"/>
-          </a:fillRef>
-          <a:effectRef idx="0">
-            <a:schemeClr val="dk1"/>
-          </a:effectRef>
-          <a:fontRef idx="minor">
-            <a:schemeClr val="tx1"/>
-          </a:fontRef>
-        </p:style>
-      </p:cxnSp>
-      <p:cxnSp>
-        <p:nvCxnSpPr>
-          <p:cNvPr id="61" name="Straight Connector 60">
-            <a:extLst>
-              <a:ext uri="{FF2B5EF4-FFF2-40B4-BE49-F238E27FC236}">
-                <a16:creationId xmlns:a16="http://schemas.microsoft.com/office/drawing/2014/main" id="{107B10D2-BDA2-4F09-8103-71BF157C752D}"/>
-              </a:ext>
-            </a:extLst>
-          </p:cNvPr>
-          <p:cNvCxnSpPr>
-            <a:stCxn id="10" idx="2"/>
-          </p:cNvCxnSpPr>
-          <p:nvPr/>
-        </p:nvCxnSpPr>
-        <p:spPr>
-          <a:xfrm flipH="1" flipV="1">
-            <a:off x="3351573" y="3662143"/>
-            <a:ext cx="1554344" cy="1808485"/>
-          </a:xfrm>
-          <a:prstGeom prst="line">
-            <a:avLst/>
-          </a:prstGeom>
-        </p:spPr>
-        <p:style>
-          <a:lnRef idx="1">
-            <a:schemeClr val="dk1"/>
-          </a:lnRef>
-          <a:fillRef idx="0">
-            <a:schemeClr val="dk1"/>
-          </a:fillRef>
-          <a:effectRef idx="0">
-            <a:schemeClr val="dk1"/>
-          </a:effectRef>
-          <a:fontRef idx="minor">
-            <a:schemeClr val="tx1"/>
-          </a:fontRef>
-        </p:style>
-      </p:cxnSp>
-      <p:cxnSp>
-        <p:nvCxnSpPr>
-          <p:cNvPr id="63" name="Straight Connector 62">
-            <a:extLst>
-              <a:ext uri="{FF2B5EF4-FFF2-40B4-BE49-F238E27FC236}">
-                <a16:creationId xmlns:a16="http://schemas.microsoft.com/office/drawing/2014/main" id="{81B2C175-786D-4306-990F-A761BDFE062A}"/>
-              </a:ext>
-            </a:extLst>
-          </p:cNvPr>
-          <p:cNvCxnSpPr>
-            <a:stCxn id="12" idx="2"/>
-          </p:cNvCxnSpPr>
-          <p:nvPr/>
-        </p:nvCxnSpPr>
-        <p:spPr>
-          <a:xfrm flipH="1" flipV="1">
-            <a:off x="3330988" y="3635247"/>
-            <a:ext cx="1480627" cy="2650894"/>
-          </a:xfrm>
-          <a:prstGeom prst="line">
-            <a:avLst/>
-          </a:prstGeom>
-        </p:spPr>
-        <p:style>
-          <a:lnRef idx="1">
-            <a:schemeClr val="dk1"/>
-          </a:lnRef>
-          <a:fillRef idx="0">
-            <a:schemeClr val="dk1"/>
-          </a:fillRef>
-          <a:effectRef idx="0">
-            <a:schemeClr val="dk1"/>
-          </a:effectRef>
-          <a:fontRef idx="minor">
-            <a:schemeClr val="tx1"/>
-          </a:fontRef>
-        </p:style>
-      </p:cxnSp>
-      <p:pic>
-        <p:nvPicPr>
-          <p:cNvPr id="65" name="Picture 64">
-            <a:extLst>
-              <a:ext uri="{FF2B5EF4-FFF2-40B4-BE49-F238E27FC236}">
-                <a16:creationId xmlns:a16="http://schemas.microsoft.com/office/drawing/2014/main" id="{D5A67C78-EAF2-4761-8D31-892C39259CB3}"/>
-              </a:ext>
-            </a:extLst>
-          </p:cNvPr>
-          <p:cNvPicPr>
-            <a:picLocks noChangeAspect="1"/>
-          </p:cNvPicPr>
-          <p:nvPr/>
-        </p:nvPicPr>
-        <p:blipFill rotWithShape="1">
-          <a:blip r:embed="rId2" cstate="print">
-            <a:extLst>
-              <a:ext uri="{28A0092B-C50C-407E-A947-70E740481C1C}">
-                <a14:useLocalDpi xmlns:a14="http://schemas.microsoft.com/office/drawing/2010/main" val="0"/>
-              </a:ext>
-              <a:ext uri="{837473B0-CC2E-450A-ABE3-18F120FF3D39}">
-                <a1611:picAttrSrcUrl xmlns:a1611="http://schemas.microsoft.com/office/drawing/2016/11/main" r:id="rId3"/>
-              </a:ext>
-            </a:extLst>
-          </a:blip>
-          <a:srcRect l="25219" t="23944" r="25564" b="23944"/>
-          <a:stretch/>
-        </p:blipFill>
-        <p:spPr>
-          <a:xfrm>
-            <a:off x="2001601" y="2996274"/>
-            <a:ext cx="1295401" cy="1371601"/>
-          </a:xfrm>
-          <a:prstGeom prst="rect">
-            <a:avLst/>
-          </a:prstGeom>
-        </p:spPr>
-      </p:pic>
-      <p:sp>
-        <p:nvSpPr>
-          <p:cNvPr id="66" name="TextBox 65">
-            <a:extLst>
-              <a:ext uri="{FF2B5EF4-FFF2-40B4-BE49-F238E27FC236}">
-                <a16:creationId xmlns:a16="http://schemas.microsoft.com/office/drawing/2014/main" id="{45FFCCC8-1B4A-4A78-B51B-5D27C359CB5D}"/>
-              </a:ext>
-            </a:extLst>
-          </p:cNvPr>
-          <p:cNvSpPr txBox="1"/>
-          <p:nvPr/>
-        </p:nvSpPr>
-        <p:spPr>
-          <a:xfrm>
-            <a:off x="2208558" y="4374580"/>
-            <a:ext cx="914400" cy="383609"/>
-          </a:xfrm>
-          <a:prstGeom prst="rect">
-            <a:avLst/>
-          </a:prstGeom>
-          <a:noFill/>
-        </p:spPr>
-        <p:txBody>
-          <a:bodyPr wrap="square" rtlCol="0">
-            <a:spAutoFit/>
-          </a:bodyPr>
-          <a:lstStyle/>
-          <a:p>
-            <a:r>
-              <a:rPr lang="en-GB" dirty="0"/>
-              <a:t>Admin</a:t>
-            </a:r>
-            <a:endParaRPr lang="en-US" dirty="0"/>
           </a:p>
         </p:txBody>
       </p:sp>
